--- a/HCI_Project_Group7.pptx
+++ b/HCI_Project_Group7.pptx
@@ -253,7 +253,7 @@
   </p:defaultTextStyle>
   <p:extLst>
     <p:ext uri="http://customooxmlschemas.google.com/">
-      <go:slidesCustomData xmlns:go="http://customooxmlschemas.google.com/" r:id="rId16" roundtripDataSignature="AMtx7mgdiJFrj0EokfSH/i76uQdQmiTT7A=="/>
+      <go:slidesCustomData xmlns:go="http://customooxmlschemas.google.com/" r:id="rId16" roundtripDataSignature="AMtx7mi15x4O1uurzix2cnMjrTvvqxLWIA=="/>
     </p:ext>
   </p:extLst>
 </p:presentation>
@@ -310,13 +310,20 @@
           </a:bodyPr>
           <a:lstStyle>
             <a:lvl1pPr lvl="0" marR="0" rtl="0" algn="l">
-              <a:spcBef>
-                <a:spcPts val="0"/>
-              </a:spcBef>
-              <a:spcAft>
-                <a:spcPts val="0"/>
-              </a:spcAft>
-              <a:buSzPts val="1400"/>
+              <a:lnSpc>
+                <a:spcPct val="100000"/>
+              </a:lnSpc>
+              <a:spcBef>
+                <a:spcPts val="0"/>
+              </a:spcBef>
+              <a:spcAft>
+                <a:spcPts val="0"/>
+              </a:spcAft>
+              <a:buClr>
+                <a:srgbClr val="000000"/>
+              </a:buClr>
+              <a:buSzPts val="1400"/>
+              <a:buFont typeface="Arial"/>
               <a:buNone/>
               <a:defRPr b="0" i="0" sz="1200" u="none" cap="none" strike="noStrike">
                 <a:solidFill>
@@ -329,13 +336,20 @@
               </a:defRPr>
             </a:lvl1pPr>
             <a:lvl2pPr lvl="1" marR="0" rtl="0" algn="l">
-              <a:spcBef>
-                <a:spcPts val="0"/>
-              </a:spcBef>
-              <a:spcAft>
-                <a:spcPts val="0"/>
-              </a:spcAft>
-              <a:buSzPts val="1400"/>
+              <a:lnSpc>
+                <a:spcPct val="100000"/>
+              </a:lnSpc>
+              <a:spcBef>
+                <a:spcPts val="0"/>
+              </a:spcBef>
+              <a:spcAft>
+                <a:spcPts val="0"/>
+              </a:spcAft>
+              <a:buClr>
+                <a:srgbClr val="000000"/>
+              </a:buClr>
+              <a:buSzPts val="1400"/>
+              <a:buFont typeface="Arial"/>
               <a:buNone/>
               <a:defRPr b="0" i="0" sz="1800" u="none" cap="none" strike="noStrike">
                 <a:solidFill>
@@ -348,13 +362,20 @@
               </a:defRPr>
             </a:lvl2pPr>
             <a:lvl3pPr lvl="2" marR="0" rtl="0" algn="l">
-              <a:spcBef>
-                <a:spcPts val="0"/>
-              </a:spcBef>
-              <a:spcAft>
-                <a:spcPts val="0"/>
-              </a:spcAft>
-              <a:buSzPts val="1400"/>
+              <a:lnSpc>
+                <a:spcPct val="100000"/>
+              </a:lnSpc>
+              <a:spcBef>
+                <a:spcPts val="0"/>
+              </a:spcBef>
+              <a:spcAft>
+                <a:spcPts val="0"/>
+              </a:spcAft>
+              <a:buClr>
+                <a:srgbClr val="000000"/>
+              </a:buClr>
+              <a:buSzPts val="1400"/>
+              <a:buFont typeface="Arial"/>
               <a:buNone/>
               <a:defRPr b="0" i="0" sz="1800" u="none" cap="none" strike="noStrike">
                 <a:solidFill>
@@ -367,13 +388,20 @@
               </a:defRPr>
             </a:lvl3pPr>
             <a:lvl4pPr lvl="3" marR="0" rtl="0" algn="l">
-              <a:spcBef>
-                <a:spcPts val="0"/>
-              </a:spcBef>
-              <a:spcAft>
-                <a:spcPts val="0"/>
-              </a:spcAft>
-              <a:buSzPts val="1400"/>
+              <a:lnSpc>
+                <a:spcPct val="100000"/>
+              </a:lnSpc>
+              <a:spcBef>
+                <a:spcPts val="0"/>
+              </a:spcBef>
+              <a:spcAft>
+                <a:spcPts val="0"/>
+              </a:spcAft>
+              <a:buClr>
+                <a:srgbClr val="000000"/>
+              </a:buClr>
+              <a:buSzPts val="1400"/>
+              <a:buFont typeface="Arial"/>
               <a:buNone/>
               <a:defRPr b="0" i="0" sz="1800" u="none" cap="none" strike="noStrike">
                 <a:solidFill>
@@ -386,13 +414,20 @@
               </a:defRPr>
             </a:lvl4pPr>
             <a:lvl5pPr lvl="4" marR="0" rtl="0" algn="l">
-              <a:spcBef>
-                <a:spcPts val="0"/>
-              </a:spcBef>
-              <a:spcAft>
-                <a:spcPts val="0"/>
-              </a:spcAft>
-              <a:buSzPts val="1400"/>
+              <a:lnSpc>
+                <a:spcPct val="100000"/>
+              </a:lnSpc>
+              <a:spcBef>
+                <a:spcPts val="0"/>
+              </a:spcBef>
+              <a:spcAft>
+                <a:spcPts val="0"/>
+              </a:spcAft>
+              <a:buClr>
+                <a:srgbClr val="000000"/>
+              </a:buClr>
+              <a:buSzPts val="1400"/>
+              <a:buFont typeface="Arial"/>
               <a:buNone/>
               <a:defRPr b="0" i="0" sz="1800" u="none" cap="none" strike="noStrike">
                 <a:solidFill>
@@ -405,13 +440,20 @@
               </a:defRPr>
             </a:lvl5pPr>
             <a:lvl6pPr lvl="5" marR="0" rtl="0" algn="l">
-              <a:spcBef>
-                <a:spcPts val="0"/>
-              </a:spcBef>
-              <a:spcAft>
-                <a:spcPts val="0"/>
-              </a:spcAft>
-              <a:buSzPts val="1400"/>
+              <a:lnSpc>
+                <a:spcPct val="100000"/>
+              </a:lnSpc>
+              <a:spcBef>
+                <a:spcPts val="0"/>
+              </a:spcBef>
+              <a:spcAft>
+                <a:spcPts val="0"/>
+              </a:spcAft>
+              <a:buClr>
+                <a:srgbClr val="000000"/>
+              </a:buClr>
+              <a:buSzPts val="1400"/>
+              <a:buFont typeface="Arial"/>
               <a:buNone/>
               <a:defRPr b="0" i="0" sz="1800" u="none" cap="none" strike="noStrike">
                 <a:solidFill>
@@ -424,13 +466,20 @@
               </a:defRPr>
             </a:lvl6pPr>
             <a:lvl7pPr lvl="6" marR="0" rtl="0" algn="l">
-              <a:spcBef>
-                <a:spcPts val="0"/>
-              </a:spcBef>
-              <a:spcAft>
-                <a:spcPts val="0"/>
-              </a:spcAft>
-              <a:buSzPts val="1400"/>
+              <a:lnSpc>
+                <a:spcPct val="100000"/>
+              </a:lnSpc>
+              <a:spcBef>
+                <a:spcPts val="0"/>
+              </a:spcBef>
+              <a:spcAft>
+                <a:spcPts val="0"/>
+              </a:spcAft>
+              <a:buClr>
+                <a:srgbClr val="000000"/>
+              </a:buClr>
+              <a:buSzPts val="1400"/>
+              <a:buFont typeface="Arial"/>
               <a:buNone/>
               <a:defRPr b="0" i="0" sz="1800" u="none" cap="none" strike="noStrike">
                 <a:solidFill>
@@ -443,13 +492,20 @@
               </a:defRPr>
             </a:lvl7pPr>
             <a:lvl8pPr lvl="7" marR="0" rtl="0" algn="l">
-              <a:spcBef>
-                <a:spcPts val="0"/>
-              </a:spcBef>
-              <a:spcAft>
-                <a:spcPts val="0"/>
-              </a:spcAft>
-              <a:buSzPts val="1400"/>
+              <a:lnSpc>
+                <a:spcPct val="100000"/>
+              </a:lnSpc>
+              <a:spcBef>
+                <a:spcPts val="0"/>
+              </a:spcBef>
+              <a:spcAft>
+                <a:spcPts val="0"/>
+              </a:spcAft>
+              <a:buClr>
+                <a:srgbClr val="000000"/>
+              </a:buClr>
+              <a:buSzPts val="1400"/>
+              <a:buFont typeface="Arial"/>
               <a:buNone/>
               <a:defRPr b="0" i="0" sz="1800" u="none" cap="none" strike="noStrike">
                 <a:solidFill>
@@ -462,13 +518,20 @@
               </a:defRPr>
             </a:lvl8pPr>
             <a:lvl9pPr lvl="8" marR="0" rtl="0" algn="l">
-              <a:spcBef>
-                <a:spcPts val="0"/>
-              </a:spcBef>
-              <a:spcAft>
-                <a:spcPts val="0"/>
-              </a:spcAft>
-              <a:buSzPts val="1400"/>
+              <a:lnSpc>
+                <a:spcPct val="100000"/>
+              </a:lnSpc>
+              <a:spcBef>
+                <a:spcPts val="0"/>
+              </a:spcBef>
+              <a:spcAft>
+                <a:spcPts val="0"/>
+              </a:spcAft>
+              <a:buClr>
+                <a:srgbClr val="000000"/>
+              </a:buClr>
+              <a:buSzPts val="1400"/>
+              <a:buFont typeface="Arial"/>
               <a:buNone/>
               <a:defRPr b="0" i="0" sz="1800" u="none" cap="none" strike="noStrike">
                 <a:solidFill>
@@ -511,13 +574,20 @@
           </a:bodyPr>
           <a:lstStyle>
             <a:lvl1pPr lvl="0" marR="0" rtl="0" algn="r">
-              <a:spcBef>
-                <a:spcPts val="0"/>
-              </a:spcBef>
-              <a:spcAft>
-                <a:spcPts val="0"/>
-              </a:spcAft>
-              <a:buSzPts val="1400"/>
+              <a:lnSpc>
+                <a:spcPct val="100000"/>
+              </a:lnSpc>
+              <a:spcBef>
+                <a:spcPts val="0"/>
+              </a:spcBef>
+              <a:spcAft>
+                <a:spcPts val="0"/>
+              </a:spcAft>
+              <a:buClr>
+                <a:srgbClr val="000000"/>
+              </a:buClr>
+              <a:buSzPts val="1400"/>
+              <a:buFont typeface="Arial"/>
               <a:buNone/>
               <a:defRPr b="0" i="0" sz="1200" u="none" cap="none" strike="noStrike">
                 <a:solidFill>
@@ -530,13 +600,20 @@
               </a:defRPr>
             </a:lvl1pPr>
             <a:lvl2pPr lvl="1" marR="0" rtl="0" algn="l">
-              <a:spcBef>
-                <a:spcPts val="0"/>
-              </a:spcBef>
-              <a:spcAft>
-                <a:spcPts val="0"/>
-              </a:spcAft>
-              <a:buSzPts val="1400"/>
+              <a:lnSpc>
+                <a:spcPct val="100000"/>
+              </a:lnSpc>
+              <a:spcBef>
+                <a:spcPts val="0"/>
+              </a:spcBef>
+              <a:spcAft>
+                <a:spcPts val="0"/>
+              </a:spcAft>
+              <a:buClr>
+                <a:srgbClr val="000000"/>
+              </a:buClr>
+              <a:buSzPts val="1400"/>
+              <a:buFont typeface="Arial"/>
               <a:buNone/>
               <a:defRPr b="0" i="0" sz="1800" u="none" cap="none" strike="noStrike">
                 <a:solidFill>
@@ -549,13 +626,20 @@
               </a:defRPr>
             </a:lvl2pPr>
             <a:lvl3pPr lvl="2" marR="0" rtl="0" algn="l">
-              <a:spcBef>
-                <a:spcPts val="0"/>
-              </a:spcBef>
-              <a:spcAft>
-                <a:spcPts val="0"/>
-              </a:spcAft>
-              <a:buSzPts val="1400"/>
+              <a:lnSpc>
+                <a:spcPct val="100000"/>
+              </a:lnSpc>
+              <a:spcBef>
+                <a:spcPts val="0"/>
+              </a:spcBef>
+              <a:spcAft>
+                <a:spcPts val="0"/>
+              </a:spcAft>
+              <a:buClr>
+                <a:srgbClr val="000000"/>
+              </a:buClr>
+              <a:buSzPts val="1400"/>
+              <a:buFont typeface="Arial"/>
               <a:buNone/>
               <a:defRPr b="0" i="0" sz="1800" u="none" cap="none" strike="noStrike">
                 <a:solidFill>
@@ -568,13 +652,20 @@
               </a:defRPr>
             </a:lvl3pPr>
             <a:lvl4pPr lvl="3" marR="0" rtl="0" algn="l">
-              <a:spcBef>
-                <a:spcPts val="0"/>
-              </a:spcBef>
-              <a:spcAft>
-                <a:spcPts val="0"/>
-              </a:spcAft>
-              <a:buSzPts val="1400"/>
+              <a:lnSpc>
+                <a:spcPct val="100000"/>
+              </a:lnSpc>
+              <a:spcBef>
+                <a:spcPts val="0"/>
+              </a:spcBef>
+              <a:spcAft>
+                <a:spcPts val="0"/>
+              </a:spcAft>
+              <a:buClr>
+                <a:srgbClr val="000000"/>
+              </a:buClr>
+              <a:buSzPts val="1400"/>
+              <a:buFont typeface="Arial"/>
               <a:buNone/>
               <a:defRPr b="0" i="0" sz="1800" u="none" cap="none" strike="noStrike">
                 <a:solidFill>
@@ -587,13 +678,20 @@
               </a:defRPr>
             </a:lvl4pPr>
             <a:lvl5pPr lvl="4" marR="0" rtl="0" algn="l">
-              <a:spcBef>
-                <a:spcPts val="0"/>
-              </a:spcBef>
-              <a:spcAft>
-                <a:spcPts val="0"/>
-              </a:spcAft>
-              <a:buSzPts val="1400"/>
+              <a:lnSpc>
+                <a:spcPct val="100000"/>
+              </a:lnSpc>
+              <a:spcBef>
+                <a:spcPts val="0"/>
+              </a:spcBef>
+              <a:spcAft>
+                <a:spcPts val="0"/>
+              </a:spcAft>
+              <a:buClr>
+                <a:srgbClr val="000000"/>
+              </a:buClr>
+              <a:buSzPts val="1400"/>
+              <a:buFont typeface="Arial"/>
               <a:buNone/>
               <a:defRPr b="0" i="0" sz="1800" u="none" cap="none" strike="noStrike">
                 <a:solidFill>
@@ -606,13 +704,20 @@
               </a:defRPr>
             </a:lvl5pPr>
             <a:lvl6pPr lvl="5" marR="0" rtl="0" algn="l">
-              <a:spcBef>
-                <a:spcPts val="0"/>
-              </a:spcBef>
-              <a:spcAft>
-                <a:spcPts val="0"/>
-              </a:spcAft>
-              <a:buSzPts val="1400"/>
+              <a:lnSpc>
+                <a:spcPct val="100000"/>
+              </a:lnSpc>
+              <a:spcBef>
+                <a:spcPts val="0"/>
+              </a:spcBef>
+              <a:spcAft>
+                <a:spcPts val="0"/>
+              </a:spcAft>
+              <a:buClr>
+                <a:srgbClr val="000000"/>
+              </a:buClr>
+              <a:buSzPts val="1400"/>
+              <a:buFont typeface="Arial"/>
               <a:buNone/>
               <a:defRPr b="0" i="0" sz="1800" u="none" cap="none" strike="noStrike">
                 <a:solidFill>
@@ -625,13 +730,20 @@
               </a:defRPr>
             </a:lvl6pPr>
             <a:lvl7pPr lvl="6" marR="0" rtl="0" algn="l">
-              <a:spcBef>
-                <a:spcPts val="0"/>
-              </a:spcBef>
-              <a:spcAft>
-                <a:spcPts val="0"/>
-              </a:spcAft>
-              <a:buSzPts val="1400"/>
+              <a:lnSpc>
+                <a:spcPct val="100000"/>
+              </a:lnSpc>
+              <a:spcBef>
+                <a:spcPts val="0"/>
+              </a:spcBef>
+              <a:spcAft>
+                <a:spcPts val="0"/>
+              </a:spcAft>
+              <a:buClr>
+                <a:srgbClr val="000000"/>
+              </a:buClr>
+              <a:buSzPts val="1400"/>
+              <a:buFont typeface="Arial"/>
               <a:buNone/>
               <a:defRPr b="0" i="0" sz="1800" u="none" cap="none" strike="noStrike">
                 <a:solidFill>
@@ -644,13 +756,20 @@
               </a:defRPr>
             </a:lvl7pPr>
             <a:lvl8pPr lvl="7" marR="0" rtl="0" algn="l">
-              <a:spcBef>
-                <a:spcPts val="0"/>
-              </a:spcBef>
-              <a:spcAft>
-                <a:spcPts val="0"/>
-              </a:spcAft>
-              <a:buSzPts val="1400"/>
+              <a:lnSpc>
+                <a:spcPct val="100000"/>
+              </a:lnSpc>
+              <a:spcBef>
+                <a:spcPts val="0"/>
+              </a:spcBef>
+              <a:spcAft>
+                <a:spcPts val="0"/>
+              </a:spcAft>
+              <a:buClr>
+                <a:srgbClr val="000000"/>
+              </a:buClr>
+              <a:buSzPts val="1400"/>
+              <a:buFont typeface="Arial"/>
               <a:buNone/>
               <a:defRPr b="0" i="0" sz="1800" u="none" cap="none" strike="noStrike">
                 <a:solidFill>
@@ -663,13 +782,20 @@
               </a:defRPr>
             </a:lvl8pPr>
             <a:lvl9pPr lvl="8" marR="0" rtl="0" algn="l">
-              <a:spcBef>
-                <a:spcPts val="0"/>
-              </a:spcBef>
-              <a:spcAft>
-                <a:spcPts val="0"/>
-              </a:spcAft>
-              <a:buSzPts val="1400"/>
+              <a:lnSpc>
+                <a:spcPct val="100000"/>
+              </a:lnSpc>
+              <a:spcBef>
+                <a:spcPts val="0"/>
+              </a:spcBef>
+              <a:spcAft>
+                <a:spcPts val="0"/>
+              </a:spcAft>
+              <a:buClr>
+                <a:srgbClr val="000000"/>
+              </a:buClr>
+              <a:buSzPts val="1400"/>
+              <a:buFont typeface="Arial"/>
               <a:buNone/>
               <a:defRPr b="0" i="0" sz="1800" u="none" cap="none" strike="noStrike">
                 <a:solidFill>
@@ -757,13 +883,20 @@
           </a:bodyPr>
           <a:lstStyle>
             <a:lvl1pPr indent="-228600" lvl="0" marL="457200" marR="0" rtl="0" algn="l">
-              <a:spcBef>
-                <a:spcPts val="0"/>
-              </a:spcBef>
-              <a:spcAft>
-                <a:spcPts val="0"/>
-              </a:spcAft>
-              <a:buSzPts val="1400"/>
+              <a:lnSpc>
+                <a:spcPct val="100000"/>
+              </a:lnSpc>
+              <a:spcBef>
+                <a:spcPts val="0"/>
+              </a:spcBef>
+              <a:spcAft>
+                <a:spcPts val="0"/>
+              </a:spcAft>
+              <a:buClr>
+                <a:srgbClr val="000000"/>
+              </a:buClr>
+              <a:buSzPts val="1400"/>
+              <a:buFont typeface="Arial"/>
               <a:buNone/>
               <a:defRPr b="0" i="0" sz="1200" u="none" cap="none" strike="noStrike">
                 <a:solidFill>
@@ -776,13 +909,20 @@
               </a:defRPr>
             </a:lvl1pPr>
             <a:lvl2pPr indent="-228600" lvl="1" marL="914400" marR="0" rtl="0" algn="l">
-              <a:spcBef>
-                <a:spcPts val="0"/>
-              </a:spcBef>
-              <a:spcAft>
-                <a:spcPts val="0"/>
-              </a:spcAft>
-              <a:buSzPts val="1400"/>
+              <a:lnSpc>
+                <a:spcPct val="100000"/>
+              </a:lnSpc>
+              <a:spcBef>
+                <a:spcPts val="0"/>
+              </a:spcBef>
+              <a:spcAft>
+                <a:spcPts val="0"/>
+              </a:spcAft>
+              <a:buClr>
+                <a:srgbClr val="000000"/>
+              </a:buClr>
+              <a:buSzPts val="1400"/>
+              <a:buFont typeface="Arial"/>
               <a:buNone/>
               <a:defRPr b="0" i="0" sz="1200" u="none" cap="none" strike="noStrike">
                 <a:solidFill>
@@ -795,13 +935,20 @@
               </a:defRPr>
             </a:lvl2pPr>
             <a:lvl3pPr indent="-228600" lvl="2" marL="1371600" marR="0" rtl="0" algn="l">
-              <a:spcBef>
-                <a:spcPts val="0"/>
-              </a:spcBef>
-              <a:spcAft>
-                <a:spcPts val="0"/>
-              </a:spcAft>
-              <a:buSzPts val="1400"/>
+              <a:lnSpc>
+                <a:spcPct val="100000"/>
+              </a:lnSpc>
+              <a:spcBef>
+                <a:spcPts val="0"/>
+              </a:spcBef>
+              <a:spcAft>
+                <a:spcPts val="0"/>
+              </a:spcAft>
+              <a:buClr>
+                <a:srgbClr val="000000"/>
+              </a:buClr>
+              <a:buSzPts val="1400"/>
+              <a:buFont typeface="Arial"/>
               <a:buNone/>
               <a:defRPr b="0" i="0" sz="1200" u="none" cap="none" strike="noStrike">
                 <a:solidFill>
@@ -814,13 +961,20 @@
               </a:defRPr>
             </a:lvl3pPr>
             <a:lvl4pPr indent="-228600" lvl="3" marL="1828800" marR="0" rtl="0" algn="l">
-              <a:spcBef>
-                <a:spcPts val="0"/>
-              </a:spcBef>
-              <a:spcAft>
-                <a:spcPts val="0"/>
-              </a:spcAft>
-              <a:buSzPts val="1400"/>
+              <a:lnSpc>
+                <a:spcPct val="100000"/>
+              </a:lnSpc>
+              <a:spcBef>
+                <a:spcPts val="0"/>
+              </a:spcBef>
+              <a:spcAft>
+                <a:spcPts val="0"/>
+              </a:spcAft>
+              <a:buClr>
+                <a:srgbClr val="000000"/>
+              </a:buClr>
+              <a:buSzPts val="1400"/>
+              <a:buFont typeface="Arial"/>
               <a:buNone/>
               <a:defRPr b="0" i="0" sz="1200" u="none" cap="none" strike="noStrike">
                 <a:solidFill>
@@ -833,13 +987,20 @@
               </a:defRPr>
             </a:lvl4pPr>
             <a:lvl5pPr indent="-228600" lvl="4" marL="2286000" marR="0" rtl="0" algn="l">
-              <a:spcBef>
-                <a:spcPts val="0"/>
-              </a:spcBef>
-              <a:spcAft>
-                <a:spcPts val="0"/>
-              </a:spcAft>
-              <a:buSzPts val="1400"/>
+              <a:lnSpc>
+                <a:spcPct val="100000"/>
+              </a:lnSpc>
+              <a:spcBef>
+                <a:spcPts val="0"/>
+              </a:spcBef>
+              <a:spcAft>
+                <a:spcPts val="0"/>
+              </a:spcAft>
+              <a:buClr>
+                <a:srgbClr val="000000"/>
+              </a:buClr>
+              <a:buSzPts val="1400"/>
+              <a:buFont typeface="Arial"/>
               <a:buNone/>
               <a:defRPr b="0" i="0" sz="1200" u="none" cap="none" strike="noStrike">
                 <a:solidFill>
@@ -852,13 +1013,20 @@
               </a:defRPr>
             </a:lvl5pPr>
             <a:lvl6pPr indent="-228600" lvl="5" marL="2743200" marR="0" rtl="0" algn="l">
-              <a:spcBef>
-                <a:spcPts val="0"/>
-              </a:spcBef>
-              <a:spcAft>
-                <a:spcPts val="0"/>
-              </a:spcAft>
-              <a:buSzPts val="1400"/>
+              <a:lnSpc>
+                <a:spcPct val="100000"/>
+              </a:lnSpc>
+              <a:spcBef>
+                <a:spcPts val="0"/>
+              </a:spcBef>
+              <a:spcAft>
+                <a:spcPts val="0"/>
+              </a:spcAft>
+              <a:buClr>
+                <a:srgbClr val="000000"/>
+              </a:buClr>
+              <a:buSzPts val="1400"/>
+              <a:buFont typeface="Arial"/>
               <a:buNone/>
               <a:defRPr b="0" i="0" sz="1200" u="none" cap="none" strike="noStrike">
                 <a:solidFill>
@@ -871,13 +1039,20 @@
               </a:defRPr>
             </a:lvl6pPr>
             <a:lvl7pPr indent="-228600" lvl="6" marL="3200400" marR="0" rtl="0" algn="l">
-              <a:spcBef>
-                <a:spcPts val="0"/>
-              </a:spcBef>
-              <a:spcAft>
-                <a:spcPts val="0"/>
-              </a:spcAft>
-              <a:buSzPts val="1400"/>
+              <a:lnSpc>
+                <a:spcPct val="100000"/>
+              </a:lnSpc>
+              <a:spcBef>
+                <a:spcPts val="0"/>
+              </a:spcBef>
+              <a:spcAft>
+                <a:spcPts val="0"/>
+              </a:spcAft>
+              <a:buClr>
+                <a:srgbClr val="000000"/>
+              </a:buClr>
+              <a:buSzPts val="1400"/>
+              <a:buFont typeface="Arial"/>
               <a:buNone/>
               <a:defRPr b="0" i="0" sz="1200" u="none" cap="none" strike="noStrike">
                 <a:solidFill>
@@ -890,13 +1065,20 @@
               </a:defRPr>
             </a:lvl7pPr>
             <a:lvl8pPr indent="-228600" lvl="7" marL="3657600" marR="0" rtl="0" algn="l">
-              <a:spcBef>
-                <a:spcPts val="0"/>
-              </a:spcBef>
-              <a:spcAft>
-                <a:spcPts val="0"/>
-              </a:spcAft>
-              <a:buSzPts val="1400"/>
+              <a:lnSpc>
+                <a:spcPct val="100000"/>
+              </a:lnSpc>
+              <a:spcBef>
+                <a:spcPts val="0"/>
+              </a:spcBef>
+              <a:spcAft>
+                <a:spcPts val="0"/>
+              </a:spcAft>
+              <a:buClr>
+                <a:srgbClr val="000000"/>
+              </a:buClr>
+              <a:buSzPts val="1400"/>
+              <a:buFont typeface="Arial"/>
               <a:buNone/>
               <a:defRPr b="0" i="0" sz="1200" u="none" cap="none" strike="noStrike">
                 <a:solidFill>
@@ -909,13 +1091,20 @@
               </a:defRPr>
             </a:lvl8pPr>
             <a:lvl9pPr indent="-228600" lvl="8" marL="4114800" marR="0" rtl="0" algn="l">
-              <a:spcBef>
-                <a:spcPts val="0"/>
-              </a:spcBef>
-              <a:spcAft>
-                <a:spcPts val="0"/>
-              </a:spcAft>
-              <a:buSzPts val="1400"/>
+              <a:lnSpc>
+                <a:spcPct val="100000"/>
+              </a:lnSpc>
+              <a:spcBef>
+                <a:spcPts val="0"/>
+              </a:spcBef>
+              <a:spcAft>
+                <a:spcPts val="0"/>
+              </a:spcAft>
+              <a:buClr>
+                <a:srgbClr val="000000"/>
+              </a:buClr>
+              <a:buSzPts val="1400"/>
+              <a:buFont typeface="Arial"/>
               <a:buNone/>
               <a:defRPr b="0" i="0" sz="1200" u="none" cap="none" strike="noStrike">
                 <a:solidFill>
@@ -958,13 +1147,20 @@
           </a:bodyPr>
           <a:lstStyle>
             <a:lvl1pPr lvl="0" marR="0" rtl="0" algn="l">
-              <a:spcBef>
-                <a:spcPts val="0"/>
-              </a:spcBef>
-              <a:spcAft>
-                <a:spcPts val="0"/>
-              </a:spcAft>
-              <a:buSzPts val="1400"/>
+              <a:lnSpc>
+                <a:spcPct val="100000"/>
+              </a:lnSpc>
+              <a:spcBef>
+                <a:spcPts val="0"/>
+              </a:spcBef>
+              <a:spcAft>
+                <a:spcPts val="0"/>
+              </a:spcAft>
+              <a:buClr>
+                <a:srgbClr val="000000"/>
+              </a:buClr>
+              <a:buSzPts val="1400"/>
+              <a:buFont typeface="Arial"/>
               <a:buNone/>
               <a:defRPr b="0" i="0" sz="1200" u="none" cap="none" strike="noStrike">
                 <a:solidFill>
@@ -977,13 +1173,20 @@
               </a:defRPr>
             </a:lvl1pPr>
             <a:lvl2pPr lvl="1" marR="0" rtl="0" algn="l">
-              <a:spcBef>
-                <a:spcPts val="0"/>
-              </a:spcBef>
-              <a:spcAft>
-                <a:spcPts val="0"/>
-              </a:spcAft>
-              <a:buSzPts val="1400"/>
+              <a:lnSpc>
+                <a:spcPct val="100000"/>
+              </a:lnSpc>
+              <a:spcBef>
+                <a:spcPts val="0"/>
+              </a:spcBef>
+              <a:spcAft>
+                <a:spcPts val="0"/>
+              </a:spcAft>
+              <a:buClr>
+                <a:srgbClr val="000000"/>
+              </a:buClr>
+              <a:buSzPts val="1400"/>
+              <a:buFont typeface="Arial"/>
               <a:buNone/>
               <a:defRPr b="0" i="0" sz="1800" u="none" cap="none" strike="noStrike">
                 <a:solidFill>
@@ -996,13 +1199,20 @@
               </a:defRPr>
             </a:lvl2pPr>
             <a:lvl3pPr lvl="2" marR="0" rtl="0" algn="l">
-              <a:spcBef>
-                <a:spcPts val="0"/>
-              </a:spcBef>
-              <a:spcAft>
-                <a:spcPts val="0"/>
-              </a:spcAft>
-              <a:buSzPts val="1400"/>
+              <a:lnSpc>
+                <a:spcPct val="100000"/>
+              </a:lnSpc>
+              <a:spcBef>
+                <a:spcPts val="0"/>
+              </a:spcBef>
+              <a:spcAft>
+                <a:spcPts val="0"/>
+              </a:spcAft>
+              <a:buClr>
+                <a:srgbClr val="000000"/>
+              </a:buClr>
+              <a:buSzPts val="1400"/>
+              <a:buFont typeface="Arial"/>
               <a:buNone/>
               <a:defRPr b="0" i="0" sz="1800" u="none" cap="none" strike="noStrike">
                 <a:solidFill>
@@ -1015,13 +1225,20 @@
               </a:defRPr>
             </a:lvl3pPr>
             <a:lvl4pPr lvl="3" marR="0" rtl="0" algn="l">
-              <a:spcBef>
-                <a:spcPts val="0"/>
-              </a:spcBef>
-              <a:spcAft>
-                <a:spcPts val="0"/>
-              </a:spcAft>
-              <a:buSzPts val="1400"/>
+              <a:lnSpc>
+                <a:spcPct val="100000"/>
+              </a:lnSpc>
+              <a:spcBef>
+                <a:spcPts val="0"/>
+              </a:spcBef>
+              <a:spcAft>
+                <a:spcPts val="0"/>
+              </a:spcAft>
+              <a:buClr>
+                <a:srgbClr val="000000"/>
+              </a:buClr>
+              <a:buSzPts val="1400"/>
+              <a:buFont typeface="Arial"/>
               <a:buNone/>
               <a:defRPr b="0" i="0" sz="1800" u="none" cap="none" strike="noStrike">
                 <a:solidFill>
@@ -1034,13 +1251,20 @@
               </a:defRPr>
             </a:lvl4pPr>
             <a:lvl5pPr lvl="4" marR="0" rtl="0" algn="l">
-              <a:spcBef>
-                <a:spcPts val="0"/>
-              </a:spcBef>
-              <a:spcAft>
-                <a:spcPts val="0"/>
-              </a:spcAft>
-              <a:buSzPts val="1400"/>
+              <a:lnSpc>
+                <a:spcPct val="100000"/>
+              </a:lnSpc>
+              <a:spcBef>
+                <a:spcPts val="0"/>
+              </a:spcBef>
+              <a:spcAft>
+                <a:spcPts val="0"/>
+              </a:spcAft>
+              <a:buClr>
+                <a:srgbClr val="000000"/>
+              </a:buClr>
+              <a:buSzPts val="1400"/>
+              <a:buFont typeface="Arial"/>
               <a:buNone/>
               <a:defRPr b="0" i="0" sz="1800" u="none" cap="none" strike="noStrike">
                 <a:solidFill>
@@ -1053,13 +1277,20 @@
               </a:defRPr>
             </a:lvl5pPr>
             <a:lvl6pPr lvl="5" marR="0" rtl="0" algn="l">
-              <a:spcBef>
-                <a:spcPts val="0"/>
-              </a:spcBef>
-              <a:spcAft>
-                <a:spcPts val="0"/>
-              </a:spcAft>
-              <a:buSzPts val="1400"/>
+              <a:lnSpc>
+                <a:spcPct val="100000"/>
+              </a:lnSpc>
+              <a:spcBef>
+                <a:spcPts val="0"/>
+              </a:spcBef>
+              <a:spcAft>
+                <a:spcPts val="0"/>
+              </a:spcAft>
+              <a:buClr>
+                <a:srgbClr val="000000"/>
+              </a:buClr>
+              <a:buSzPts val="1400"/>
+              <a:buFont typeface="Arial"/>
               <a:buNone/>
               <a:defRPr b="0" i="0" sz="1800" u="none" cap="none" strike="noStrike">
                 <a:solidFill>
@@ -1072,13 +1303,20 @@
               </a:defRPr>
             </a:lvl6pPr>
             <a:lvl7pPr lvl="6" marR="0" rtl="0" algn="l">
-              <a:spcBef>
-                <a:spcPts val="0"/>
-              </a:spcBef>
-              <a:spcAft>
-                <a:spcPts val="0"/>
-              </a:spcAft>
-              <a:buSzPts val="1400"/>
+              <a:lnSpc>
+                <a:spcPct val="100000"/>
+              </a:lnSpc>
+              <a:spcBef>
+                <a:spcPts val="0"/>
+              </a:spcBef>
+              <a:spcAft>
+                <a:spcPts val="0"/>
+              </a:spcAft>
+              <a:buClr>
+                <a:srgbClr val="000000"/>
+              </a:buClr>
+              <a:buSzPts val="1400"/>
+              <a:buFont typeface="Arial"/>
               <a:buNone/>
               <a:defRPr b="0" i="0" sz="1800" u="none" cap="none" strike="noStrike">
                 <a:solidFill>
@@ -1091,13 +1329,20 @@
               </a:defRPr>
             </a:lvl7pPr>
             <a:lvl8pPr lvl="7" marR="0" rtl="0" algn="l">
-              <a:spcBef>
-                <a:spcPts val="0"/>
-              </a:spcBef>
-              <a:spcAft>
-                <a:spcPts val="0"/>
-              </a:spcAft>
-              <a:buSzPts val="1400"/>
+              <a:lnSpc>
+                <a:spcPct val="100000"/>
+              </a:lnSpc>
+              <a:spcBef>
+                <a:spcPts val="0"/>
+              </a:spcBef>
+              <a:spcAft>
+                <a:spcPts val="0"/>
+              </a:spcAft>
+              <a:buClr>
+                <a:srgbClr val="000000"/>
+              </a:buClr>
+              <a:buSzPts val="1400"/>
+              <a:buFont typeface="Arial"/>
               <a:buNone/>
               <a:defRPr b="0" i="0" sz="1800" u="none" cap="none" strike="noStrike">
                 <a:solidFill>
@@ -1110,13 +1355,20 @@
               </a:defRPr>
             </a:lvl8pPr>
             <a:lvl9pPr lvl="8" marR="0" rtl="0" algn="l">
-              <a:spcBef>
-                <a:spcPts val="0"/>
-              </a:spcBef>
-              <a:spcAft>
-                <a:spcPts val="0"/>
-              </a:spcAft>
-              <a:buSzPts val="1400"/>
+              <a:lnSpc>
+                <a:spcPct val="100000"/>
+              </a:lnSpc>
+              <a:spcBef>
+                <a:spcPts val="0"/>
+              </a:spcBef>
+              <a:spcAft>
+                <a:spcPts val="0"/>
+              </a:spcAft>
+              <a:buClr>
+                <a:srgbClr val="000000"/>
+              </a:buClr>
+              <a:buSzPts val="1400"/>
+              <a:buFont typeface="Arial"/>
               <a:buNone/>
               <a:defRPr b="0" i="0" sz="1800" u="none" cap="none" strike="noStrike">
                 <a:solidFill>
@@ -1160,12 +1412,20 @@
           <a:lstStyle/>
           <a:p>
             <a:pPr indent="0" lvl="0" marL="0" marR="0" rtl="0" algn="r">
-              <a:spcBef>
-                <a:spcPts val="0"/>
-              </a:spcBef>
-              <a:spcAft>
-                <a:spcPts val="0"/>
-              </a:spcAft>
+              <a:lnSpc>
+                <a:spcPct val="100000"/>
+              </a:lnSpc>
+              <a:spcBef>
+                <a:spcPts val="0"/>
+              </a:spcBef>
+              <a:spcAft>
+                <a:spcPts val="0"/>
+              </a:spcAft>
+              <a:buClr>
+                <a:srgbClr val="000000"/>
+              </a:buClr>
+              <a:buSzPts val="1200"/>
+              <a:buFont typeface="Arial"/>
               <a:buNone/>
             </a:pPr>
             <a:fld id="{00000000-1234-1234-1234-123412341234}" type="slidenum">
@@ -1460,6 +1720,10 @@
           <a:prstGeom prst="rect">
             <a:avLst/>
           </a:prstGeom>
+          <a:noFill/>
+          <a:ln>
+            <a:noFill/>
+          </a:ln>
         </p:spPr>
         <p:txBody>
           <a:bodyPr anchorCtr="0" anchor="t" bIns="45700" lIns="91425" spcFirstLastPara="1" rIns="91425" wrap="square" tIns="45700">
@@ -1468,12 +1732,16 @@
           <a:lstStyle/>
           <a:p>
             <a:pPr indent="0" lvl="0" marL="0" rtl="0" algn="l">
-              <a:spcBef>
-                <a:spcPts val="0"/>
-              </a:spcBef>
-              <a:spcAft>
-                <a:spcPts val="0"/>
-              </a:spcAft>
+              <a:lnSpc>
+                <a:spcPct val="100000"/>
+              </a:lnSpc>
+              <a:spcBef>
+                <a:spcPts val="0"/>
+              </a:spcBef>
+              <a:spcAft>
+                <a:spcPts val="0"/>
+              </a:spcAft>
+              <a:buSzPts val="1400"/>
               <a:buNone/>
             </a:pPr>
             <a:r>
@@ -1516,6 +1784,16 @@
               </a:path>
             </a:pathLst>
           </a:custGeom>
+          <a:noFill/>
+          <a:ln cap="flat" cmpd="sng" w="12700">
+            <a:solidFill>
+              <a:srgbClr val="000000"/>
+            </a:solidFill>
+            <a:prstDash val="solid"/>
+            <a:round/>
+            <a:headEnd len="sm" w="sm" type="none"/>
+            <a:tailEnd len="sm" w="sm" type="none"/>
+          </a:ln>
         </p:spPr>
       </p:sp>
     </p:spTree>
@@ -1559,6 +1837,10 @@
           <a:prstGeom prst="rect">
             <a:avLst/>
           </a:prstGeom>
+          <a:noFill/>
+          <a:ln>
+            <a:noFill/>
+          </a:ln>
         </p:spPr>
         <p:txBody>
           <a:bodyPr anchorCtr="0" anchor="t" bIns="45700" lIns="91425" spcFirstLastPara="1" rIns="91425" wrap="square" tIns="45700">
@@ -1567,12 +1849,16 @@
           <a:lstStyle/>
           <a:p>
             <a:pPr indent="0" lvl="0" marL="0" rtl="0" algn="l">
-              <a:spcBef>
-                <a:spcPts val="0"/>
-              </a:spcBef>
-              <a:spcAft>
-                <a:spcPts val="0"/>
-              </a:spcAft>
+              <a:lnSpc>
+                <a:spcPct val="100000"/>
+              </a:lnSpc>
+              <a:spcBef>
+                <a:spcPts val="0"/>
+              </a:spcBef>
+              <a:spcAft>
+                <a:spcPts val="0"/>
+              </a:spcAft>
+              <a:buSzPts val="1400"/>
               <a:buNone/>
             </a:pPr>
             <a:r>
@@ -1615,6 +1901,16 @@
               </a:path>
             </a:pathLst>
           </a:custGeom>
+          <a:noFill/>
+          <a:ln cap="flat" cmpd="sng" w="12700">
+            <a:solidFill>
+              <a:srgbClr val="000000"/>
+            </a:solidFill>
+            <a:prstDash val="solid"/>
+            <a:round/>
+            <a:headEnd len="sm" w="sm" type="none"/>
+            <a:tailEnd len="sm" w="sm" type="none"/>
+          </a:ln>
         </p:spPr>
       </p:sp>
     </p:spTree>
@@ -1658,6 +1954,10 @@
           <a:prstGeom prst="rect">
             <a:avLst/>
           </a:prstGeom>
+          <a:noFill/>
+          <a:ln>
+            <a:noFill/>
+          </a:ln>
         </p:spPr>
         <p:txBody>
           <a:bodyPr anchorCtr="0" anchor="t" bIns="45700" lIns="91425" spcFirstLastPara="1" rIns="91425" wrap="square" tIns="45700">
@@ -1666,12 +1966,16 @@
           <a:lstStyle/>
           <a:p>
             <a:pPr indent="0" lvl="0" marL="0" rtl="0" algn="l">
-              <a:spcBef>
-                <a:spcPts val="0"/>
-              </a:spcBef>
-              <a:spcAft>
-                <a:spcPts val="0"/>
-              </a:spcAft>
+              <a:lnSpc>
+                <a:spcPct val="100000"/>
+              </a:lnSpc>
+              <a:spcBef>
+                <a:spcPts val="0"/>
+              </a:spcBef>
+              <a:spcAft>
+                <a:spcPts val="0"/>
+              </a:spcAft>
+              <a:buSzPts val="1400"/>
               <a:buNone/>
             </a:pPr>
             <a:r>
@@ -1714,6 +2018,16 @@
               </a:path>
             </a:pathLst>
           </a:custGeom>
+          <a:noFill/>
+          <a:ln cap="flat" cmpd="sng" w="12700">
+            <a:solidFill>
+              <a:srgbClr val="000000"/>
+            </a:solidFill>
+            <a:prstDash val="solid"/>
+            <a:round/>
+            <a:headEnd len="sm" w="sm" type="none"/>
+            <a:tailEnd len="sm" w="sm" type="none"/>
+          </a:ln>
         </p:spPr>
       </p:sp>
     </p:spTree>
@@ -1757,6 +2071,10 @@
           <a:prstGeom prst="rect">
             <a:avLst/>
           </a:prstGeom>
+          <a:noFill/>
+          <a:ln>
+            <a:noFill/>
+          </a:ln>
         </p:spPr>
         <p:txBody>
           <a:bodyPr anchorCtr="0" anchor="t" bIns="45700" lIns="91425" spcFirstLastPara="1" rIns="91425" wrap="square" tIns="45700">
@@ -1765,12 +2083,16 @@
           <a:lstStyle/>
           <a:p>
             <a:pPr indent="0" lvl="0" marL="0" rtl="0" algn="l">
-              <a:spcBef>
-                <a:spcPts val="0"/>
-              </a:spcBef>
-              <a:spcAft>
-                <a:spcPts val="0"/>
-              </a:spcAft>
+              <a:lnSpc>
+                <a:spcPct val="100000"/>
+              </a:lnSpc>
+              <a:spcBef>
+                <a:spcPts val="0"/>
+              </a:spcBef>
+              <a:spcAft>
+                <a:spcPts val="0"/>
+              </a:spcAft>
+              <a:buSzPts val="1400"/>
               <a:buNone/>
             </a:pPr>
             <a:r>
@@ -1813,6 +2135,16 @@
               </a:path>
             </a:pathLst>
           </a:custGeom>
+          <a:noFill/>
+          <a:ln cap="flat" cmpd="sng" w="12700">
+            <a:solidFill>
+              <a:srgbClr val="000000"/>
+            </a:solidFill>
+            <a:prstDash val="solid"/>
+            <a:round/>
+            <a:headEnd len="sm" w="sm" type="none"/>
+            <a:tailEnd len="sm" w="sm" type="none"/>
+          </a:ln>
         </p:spPr>
       </p:sp>
     </p:spTree>
@@ -1856,6 +2188,10 @@
           <a:prstGeom prst="rect">
             <a:avLst/>
           </a:prstGeom>
+          <a:noFill/>
+          <a:ln>
+            <a:noFill/>
+          </a:ln>
         </p:spPr>
         <p:txBody>
           <a:bodyPr anchorCtr="0" anchor="t" bIns="45700" lIns="91425" spcFirstLastPara="1" rIns="91425" wrap="square" tIns="45700">
@@ -1864,12 +2200,16 @@
           <a:lstStyle/>
           <a:p>
             <a:pPr indent="0" lvl="0" marL="0" rtl="0" algn="l">
-              <a:spcBef>
-                <a:spcPts val="0"/>
-              </a:spcBef>
-              <a:spcAft>
-                <a:spcPts val="0"/>
-              </a:spcAft>
+              <a:lnSpc>
+                <a:spcPct val="100000"/>
+              </a:lnSpc>
+              <a:spcBef>
+                <a:spcPts val="0"/>
+              </a:spcBef>
+              <a:spcAft>
+                <a:spcPts val="0"/>
+              </a:spcAft>
+              <a:buSzPts val="1400"/>
               <a:buNone/>
             </a:pPr>
             <a:r>
@@ -1912,6 +2252,16 @@
               </a:path>
             </a:pathLst>
           </a:custGeom>
+          <a:noFill/>
+          <a:ln cap="flat" cmpd="sng" w="12700">
+            <a:solidFill>
+              <a:srgbClr val="000000"/>
+            </a:solidFill>
+            <a:prstDash val="solid"/>
+            <a:round/>
+            <a:headEnd len="sm" w="sm" type="none"/>
+            <a:tailEnd len="sm" w="sm" type="none"/>
+          </a:ln>
         </p:spPr>
       </p:sp>
     </p:spTree>
@@ -1955,6 +2305,10 @@
           <a:prstGeom prst="rect">
             <a:avLst/>
           </a:prstGeom>
+          <a:noFill/>
+          <a:ln>
+            <a:noFill/>
+          </a:ln>
         </p:spPr>
         <p:txBody>
           <a:bodyPr anchorCtr="0" anchor="t" bIns="45700" lIns="91425" spcFirstLastPara="1" rIns="91425" wrap="square" tIns="45700">
@@ -1963,12 +2317,16 @@
           <a:lstStyle/>
           <a:p>
             <a:pPr indent="0" lvl="0" marL="0" rtl="0" algn="l">
-              <a:spcBef>
-                <a:spcPts val="0"/>
-              </a:spcBef>
-              <a:spcAft>
-                <a:spcPts val="0"/>
-              </a:spcAft>
+              <a:lnSpc>
+                <a:spcPct val="100000"/>
+              </a:lnSpc>
+              <a:spcBef>
+                <a:spcPts val="0"/>
+              </a:spcBef>
+              <a:spcAft>
+                <a:spcPts val="0"/>
+              </a:spcAft>
+              <a:buSzPts val="1400"/>
               <a:buNone/>
             </a:pPr>
             <a:r>
@@ -2011,6 +2369,16 @@
               </a:path>
             </a:pathLst>
           </a:custGeom>
+          <a:noFill/>
+          <a:ln cap="flat" cmpd="sng" w="12700">
+            <a:solidFill>
+              <a:srgbClr val="000000"/>
+            </a:solidFill>
+            <a:prstDash val="solid"/>
+            <a:round/>
+            <a:headEnd len="sm" w="sm" type="none"/>
+            <a:tailEnd len="sm" w="sm" type="none"/>
+          </a:ln>
         </p:spPr>
       </p:sp>
     </p:spTree>
@@ -2054,6 +2422,10 @@
           <a:prstGeom prst="rect">
             <a:avLst/>
           </a:prstGeom>
+          <a:noFill/>
+          <a:ln>
+            <a:noFill/>
+          </a:ln>
         </p:spPr>
         <p:txBody>
           <a:bodyPr anchorCtr="0" anchor="t" bIns="45700" lIns="91425" spcFirstLastPara="1" rIns="91425" wrap="square" tIns="45700">
@@ -2062,12 +2434,16 @@
           <a:lstStyle/>
           <a:p>
             <a:pPr indent="0" lvl="0" marL="0" rtl="0" algn="l">
-              <a:spcBef>
-                <a:spcPts val="0"/>
-              </a:spcBef>
-              <a:spcAft>
-                <a:spcPts val="0"/>
-              </a:spcAft>
+              <a:lnSpc>
+                <a:spcPct val="100000"/>
+              </a:lnSpc>
+              <a:spcBef>
+                <a:spcPts val="0"/>
+              </a:spcBef>
+              <a:spcAft>
+                <a:spcPts val="0"/>
+              </a:spcAft>
+              <a:buSzPts val="1400"/>
               <a:buNone/>
             </a:pPr>
             <a:r>
@@ -2110,6 +2486,16 @@
               </a:path>
             </a:pathLst>
           </a:custGeom>
+          <a:noFill/>
+          <a:ln cap="flat" cmpd="sng" w="12700">
+            <a:solidFill>
+              <a:srgbClr val="000000"/>
+            </a:solidFill>
+            <a:prstDash val="solid"/>
+            <a:round/>
+            <a:headEnd len="sm" w="sm" type="none"/>
+            <a:tailEnd len="sm" w="sm" type="none"/>
+          </a:ln>
         </p:spPr>
       </p:sp>
     </p:spTree>
@@ -2153,6 +2539,10 @@
           <a:prstGeom prst="rect">
             <a:avLst/>
           </a:prstGeom>
+          <a:noFill/>
+          <a:ln>
+            <a:noFill/>
+          </a:ln>
         </p:spPr>
         <p:txBody>
           <a:bodyPr anchorCtr="0" anchor="t" bIns="45700" lIns="91425" spcFirstLastPara="1" rIns="91425" wrap="square" tIns="45700">
@@ -2161,12 +2551,16 @@
           <a:lstStyle/>
           <a:p>
             <a:pPr indent="0" lvl="0" marL="0" rtl="0" algn="l">
-              <a:spcBef>
-                <a:spcPts val="0"/>
-              </a:spcBef>
-              <a:spcAft>
-                <a:spcPts val="0"/>
-              </a:spcAft>
+              <a:lnSpc>
+                <a:spcPct val="100000"/>
+              </a:lnSpc>
+              <a:spcBef>
+                <a:spcPts val="0"/>
+              </a:spcBef>
+              <a:spcAft>
+                <a:spcPts val="0"/>
+              </a:spcAft>
+              <a:buSzPts val="1400"/>
               <a:buNone/>
             </a:pPr>
             <a:r>
@@ -2209,6 +2603,16 @@
               </a:path>
             </a:pathLst>
           </a:custGeom>
+          <a:noFill/>
+          <a:ln cap="flat" cmpd="sng" w="12700">
+            <a:solidFill>
+              <a:srgbClr val="000000"/>
+            </a:solidFill>
+            <a:prstDash val="solid"/>
+            <a:round/>
+            <a:headEnd len="sm" w="sm" type="none"/>
+            <a:tailEnd len="sm" w="sm" type="none"/>
+          </a:ln>
         </p:spPr>
       </p:sp>
     </p:spTree>
@@ -2252,6 +2656,10 @@
           <a:prstGeom prst="rect">
             <a:avLst/>
           </a:prstGeom>
+          <a:noFill/>
+          <a:ln>
+            <a:noFill/>
+          </a:ln>
         </p:spPr>
         <p:txBody>
           <a:bodyPr anchorCtr="0" anchor="t" bIns="45700" lIns="91425" spcFirstLastPara="1" rIns="91425" wrap="square" tIns="45700">
@@ -2260,12 +2668,16 @@
           <a:lstStyle/>
           <a:p>
             <a:pPr indent="0" lvl="0" marL="0" rtl="0" algn="l">
-              <a:spcBef>
-                <a:spcPts val="0"/>
-              </a:spcBef>
-              <a:spcAft>
-                <a:spcPts val="0"/>
-              </a:spcAft>
+              <a:lnSpc>
+                <a:spcPct val="100000"/>
+              </a:lnSpc>
+              <a:spcBef>
+                <a:spcPts val="0"/>
+              </a:spcBef>
+              <a:spcAft>
+                <a:spcPts val="0"/>
+              </a:spcAft>
+              <a:buSzPts val="1400"/>
               <a:buNone/>
             </a:pPr>
             <a:r>
@@ -2308,6 +2720,16 @@
               </a:path>
             </a:pathLst>
           </a:custGeom>
+          <a:noFill/>
+          <a:ln cap="flat" cmpd="sng" w="12700">
+            <a:solidFill>
+              <a:srgbClr val="000000"/>
+            </a:solidFill>
+            <a:prstDash val="solid"/>
+            <a:round/>
+            <a:headEnd len="sm" w="sm" type="none"/>
+            <a:tailEnd len="sm" w="sm" type="none"/>
+          </a:ln>
         </p:spPr>
       </p:sp>
     </p:spTree>
@@ -2351,6 +2773,10 @@
           <a:prstGeom prst="rect">
             <a:avLst/>
           </a:prstGeom>
+          <a:noFill/>
+          <a:ln>
+            <a:noFill/>
+          </a:ln>
         </p:spPr>
         <p:txBody>
           <a:bodyPr anchorCtr="0" anchor="t" bIns="45700" lIns="91425" spcFirstLastPara="1" rIns="91425" wrap="square" tIns="45700">
@@ -2359,12 +2785,16 @@
           <a:lstStyle/>
           <a:p>
             <a:pPr indent="0" lvl="0" marL="0" rtl="0" algn="l">
-              <a:spcBef>
-                <a:spcPts val="0"/>
-              </a:spcBef>
-              <a:spcAft>
-                <a:spcPts val="0"/>
-              </a:spcAft>
+              <a:lnSpc>
+                <a:spcPct val="100000"/>
+              </a:lnSpc>
+              <a:spcBef>
+                <a:spcPts val="0"/>
+              </a:spcBef>
+              <a:spcAft>
+                <a:spcPts val="0"/>
+              </a:spcAft>
+              <a:buSzPts val="1400"/>
               <a:buNone/>
             </a:pPr>
             <a:r>
@@ -2407,6 +2837,16 @@
               </a:path>
             </a:pathLst>
           </a:custGeom>
+          <a:noFill/>
+          <a:ln cap="flat" cmpd="sng" w="12700">
+            <a:solidFill>
+              <a:srgbClr val="000000"/>
+            </a:solidFill>
+            <a:prstDash val="solid"/>
+            <a:round/>
+            <a:headEnd len="sm" w="sm" type="none"/>
+            <a:tailEnd len="sm" w="sm" type="none"/>
+          </a:ln>
         </p:spPr>
       </p:sp>
     </p:spTree>
@@ -2450,6 +2890,10 @@
           <a:prstGeom prst="rect">
             <a:avLst/>
           </a:prstGeom>
+          <a:noFill/>
+          <a:ln>
+            <a:noFill/>
+          </a:ln>
         </p:spPr>
         <p:txBody>
           <a:bodyPr anchorCtr="0" anchor="t" bIns="45700" lIns="91425" spcFirstLastPara="1" rIns="91425" wrap="square" tIns="45700">
@@ -2458,12 +2902,16 @@
           <a:lstStyle/>
           <a:p>
             <a:pPr indent="0" lvl="0" marL="0" rtl="0" algn="l">
-              <a:spcBef>
-                <a:spcPts val="0"/>
-              </a:spcBef>
-              <a:spcAft>
-                <a:spcPts val="0"/>
-              </a:spcAft>
+              <a:lnSpc>
+                <a:spcPct val="100000"/>
+              </a:lnSpc>
+              <a:spcBef>
+                <a:spcPts val="0"/>
+              </a:spcBef>
+              <a:spcAft>
+                <a:spcPts val="0"/>
+              </a:spcAft>
+              <a:buSzPts val="1400"/>
               <a:buNone/>
             </a:pPr>
             <a:r>
@@ -2506,6 +2954,16 @@
               </a:path>
             </a:pathLst>
           </a:custGeom>
+          <a:noFill/>
+          <a:ln cap="flat" cmpd="sng" w="12700">
+            <a:solidFill>
+              <a:srgbClr val="000000"/>
+            </a:solidFill>
+            <a:prstDash val="solid"/>
+            <a:round/>
+            <a:headEnd len="sm" w="sm" type="none"/>
+            <a:tailEnd len="sm" w="sm" type="none"/>
+          </a:ln>
         </p:spPr>
       </p:sp>
     </p:spTree>
@@ -2561,12 +3019,20 @@
           <a:lstStyle/>
           <a:p>
             <a:pPr indent="0" lvl="0" marL="0" marR="0" rtl="0" algn="ctr">
-              <a:spcBef>
-                <a:spcPts val="0"/>
-              </a:spcBef>
-              <a:spcAft>
-                <a:spcPts val="0"/>
-              </a:spcAft>
+              <a:lnSpc>
+                <a:spcPct val="100000"/>
+              </a:lnSpc>
+              <a:spcBef>
+                <a:spcPts val="0"/>
+              </a:spcBef>
+              <a:spcAft>
+                <a:spcPts val="0"/>
+              </a:spcAft>
+              <a:buClr>
+                <a:srgbClr val="000000"/>
+              </a:buClr>
+              <a:buSzPts val="1800"/>
+              <a:buFont typeface="Arial"/>
               <a:buNone/>
             </a:pPr>
             <a:r>
@@ -2612,12 +3078,20 @@
           <a:lstStyle/>
           <a:p>
             <a:pPr indent="0" lvl="0" marL="0" marR="0" rtl="0" algn="ctr">
-              <a:spcBef>
-                <a:spcPts val="0"/>
-              </a:spcBef>
-              <a:spcAft>
-                <a:spcPts val="0"/>
-              </a:spcAft>
+              <a:lnSpc>
+                <a:spcPct val="100000"/>
+              </a:lnSpc>
+              <a:spcBef>
+                <a:spcPts val="0"/>
+              </a:spcBef>
+              <a:spcAft>
+                <a:spcPts val="0"/>
+              </a:spcAft>
+              <a:buClr>
+                <a:srgbClr val="000000"/>
+              </a:buClr>
+              <a:buSzPts val="1800"/>
+              <a:buFont typeface="Arial"/>
               <a:buNone/>
             </a:pPr>
             <a:r>
@@ -2687,7 +3161,10 @@
                 <a:sym typeface="Arial"/>
               </a:defRPr>
             </a:lvl1pPr>
-            <a:lvl2pPr lvl="1">
+            <a:lvl2pPr lvl="1" algn="l">
+              <a:lnSpc>
+                <a:spcPct val="100000"/>
+              </a:lnSpc>
               <a:spcBef>
                 <a:spcPts val="0"/>
               </a:spcBef>
@@ -2698,7 +3175,10 @@
               <a:buNone/>
               <a:defRPr/>
             </a:lvl2pPr>
-            <a:lvl3pPr lvl="2">
+            <a:lvl3pPr lvl="2" algn="l">
+              <a:lnSpc>
+                <a:spcPct val="100000"/>
+              </a:lnSpc>
               <a:spcBef>
                 <a:spcPts val="0"/>
               </a:spcBef>
@@ -2709,7 +3189,10 @@
               <a:buNone/>
               <a:defRPr/>
             </a:lvl3pPr>
-            <a:lvl4pPr lvl="3">
+            <a:lvl4pPr lvl="3" algn="l">
+              <a:lnSpc>
+                <a:spcPct val="100000"/>
+              </a:lnSpc>
               <a:spcBef>
                 <a:spcPts val="0"/>
               </a:spcBef>
@@ -2720,7 +3203,10 @@
               <a:buNone/>
               <a:defRPr/>
             </a:lvl4pPr>
-            <a:lvl5pPr lvl="4">
+            <a:lvl5pPr lvl="4" algn="l">
+              <a:lnSpc>
+                <a:spcPct val="100000"/>
+              </a:lnSpc>
               <a:spcBef>
                 <a:spcPts val="0"/>
               </a:spcBef>
@@ -2731,7 +3217,10 @@
               <a:buNone/>
               <a:defRPr/>
             </a:lvl5pPr>
-            <a:lvl6pPr lvl="5">
+            <a:lvl6pPr lvl="5" algn="l">
+              <a:lnSpc>
+                <a:spcPct val="100000"/>
+              </a:lnSpc>
               <a:spcBef>
                 <a:spcPts val="0"/>
               </a:spcBef>
@@ -2742,7 +3231,10 @@
               <a:buNone/>
               <a:defRPr/>
             </a:lvl6pPr>
-            <a:lvl7pPr lvl="6">
+            <a:lvl7pPr lvl="6" algn="l">
+              <a:lnSpc>
+                <a:spcPct val="100000"/>
+              </a:lnSpc>
               <a:spcBef>
                 <a:spcPts val="0"/>
               </a:spcBef>
@@ -2753,7 +3245,10 @@
               <a:buNone/>
               <a:defRPr/>
             </a:lvl7pPr>
-            <a:lvl8pPr lvl="7">
+            <a:lvl8pPr lvl="7" algn="l">
+              <a:lnSpc>
+                <a:spcPct val="100000"/>
+              </a:lnSpc>
               <a:spcBef>
                 <a:spcPts val="0"/>
               </a:spcBef>
@@ -2764,7 +3259,10 @@
               <a:buNone/>
               <a:defRPr/>
             </a:lvl8pPr>
-            <a:lvl9pPr lvl="8">
+            <a:lvl9pPr lvl="8" algn="l">
+              <a:lnSpc>
+                <a:spcPct val="100000"/>
+              </a:lnSpc>
               <a:spcBef>
                 <a:spcPts val="0"/>
               </a:spcBef>
@@ -2998,12 +3496,20 @@
           <a:lstStyle/>
           <a:p>
             <a:pPr indent="0" lvl="0" marL="0" marR="0" rtl="0" algn="ctr">
-              <a:spcBef>
-                <a:spcPts val="0"/>
-              </a:spcBef>
-              <a:spcAft>
-                <a:spcPts val="0"/>
-              </a:spcAft>
+              <a:lnSpc>
+                <a:spcPct val="100000"/>
+              </a:lnSpc>
+              <a:spcBef>
+                <a:spcPts val="0"/>
+              </a:spcBef>
+              <a:spcAft>
+                <a:spcPts val="0"/>
+              </a:spcAft>
+              <a:buClr>
+                <a:srgbClr val="000000"/>
+              </a:buClr>
+              <a:buSzPts val="1800"/>
+              <a:buFont typeface="Arial"/>
               <a:buNone/>
             </a:pPr>
             <a:r>
@@ -3124,7 +3630,10 @@
                 </a:solidFill>
               </a:defRPr>
             </a:lvl1pPr>
-            <a:lvl2pPr lvl="1">
+            <a:lvl2pPr lvl="1" algn="l">
+              <a:lnSpc>
+                <a:spcPct val="100000"/>
+              </a:lnSpc>
               <a:spcBef>
                 <a:spcPts val="0"/>
               </a:spcBef>
@@ -3135,7 +3644,10 @@
               <a:buNone/>
               <a:defRPr/>
             </a:lvl2pPr>
-            <a:lvl3pPr lvl="2">
+            <a:lvl3pPr lvl="2" algn="l">
+              <a:lnSpc>
+                <a:spcPct val="100000"/>
+              </a:lnSpc>
               <a:spcBef>
                 <a:spcPts val="0"/>
               </a:spcBef>
@@ -3146,7 +3658,10 @@
               <a:buNone/>
               <a:defRPr/>
             </a:lvl3pPr>
-            <a:lvl4pPr lvl="3">
+            <a:lvl4pPr lvl="3" algn="l">
+              <a:lnSpc>
+                <a:spcPct val="100000"/>
+              </a:lnSpc>
               <a:spcBef>
                 <a:spcPts val="0"/>
               </a:spcBef>
@@ -3157,7 +3672,10 @@
               <a:buNone/>
               <a:defRPr/>
             </a:lvl4pPr>
-            <a:lvl5pPr lvl="4">
+            <a:lvl5pPr lvl="4" algn="l">
+              <a:lnSpc>
+                <a:spcPct val="100000"/>
+              </a:lnSpc>
               <a:spcBef>
                 <a:spcPts val="0"/>
               </a:spcBef>
@@ -3168,7 +3686,10 @@
               <a:buNone/>
               <a:defRPr/>
             </a:lvl5pPr>
-            <a:lvl6pPr lvl="5">
+            <a:lvl6pPr lvl="5" algn="l">
+              <a:lnSpc>
+                <a:spcPct val="100000"/>
+              </a:lnSpc>
               <a:spcBef>
                 <a:spcPts val="0"/>
               </a:spcBef>
@@ -3179,7 +3700,10 @@
               <a:buNone/>
               <a:defRPr/>
             </a:lvl6pPr>
-            <a:lvl7pPr lvl="6">
+            <a:lvl7pPr lvl="6" algn="l">
+              <a:lnSpc>
+                <a:spcPct val="100000"/>
+              </a:lnSpc>
               <a:spcBef>
                 <a:spcPts val="0"/>
               </a:spcBef>
@@ -3190,7 +3714,10 @@
               <a:buNone/>
               <a:defRPr/>
             </a:lvl7pPr>
-            <a:lvl8pPr lvl="7">
+            <a:lvl8pPr lvl="7" algn="l">
+              <a:lnSpc>
+                <a:spcPct val="100000"/>
+              </a:lnSpc>
               <a:spcBef>
                 <a:spcPts val="0"/>
               </a:spcBef>
@@ -3201,7 +3728,10 @@
               <a:buNone/>
               <a:defRPr/>
             </a:lvl8pPr>
-            <a:lvl9pPr lvl="8">
+            <a:lvl9pPr lvl="8" algn="l">
+              <a:lnSpc>
+                <a:spcPct val="100000"/>
+              </a:lnSpc>
               <a:spcBef>
                 <a:spcPts val="0"/>
               </a:spcBef>
@@ -3243,6 +3773,9 @@
           </a:bodyPr>
           <a:lstStyle>
             <a:lvl1pPr lvl="0" algn="ctr">
+              <a:lnSpc>
+                <a:spcPct val="100000"/>
+              </a:lnSpc>
               <a:spcBef>
                 <a:spcPts val="0"/>
               </a:spcBef>
@@ -3258,6 +3791,9 @@
               </a:defRPr>
             </a:lvl1pPr>
             <a:lvl2pPr lvl="1" algn="l">
+              <a:lnSpc>
+                <a:spcPct val="100000"/>
+              </a:lnSpc>
               <a:spcBef>
                 <a:spcPts val="0"/>
               </a:spcBef>
@@ -3269,6 +3805,9 @@
               <a:defRPr/>
             </a:lvl2pPr>
             <a:lvl3pPr lvl="2" algn="l">
+              <a:lnSpc>
+                <a:spcPct val="100000"/>
+              </a:lnSpc>
               <a:spcBef>
                 <a:spcPts val="0"/>
               </a:spcBef>
@@ -3280,6 +3819,9 @@
               <a:defRPr/>
             </a:lvl3pPr>
             <a:lvl4pPr lvl="3" algn="l">
+              <a:lnSpc>
+                <a:spcPct val="100000"/>
+              </a:lnSpc>
               <a:spcBef>
                 <a:spcPts val="0"/>
               </a:spcBef>
@@ -3291,6 +3833,9 @@
               <a:defRPr/>
             </a:lvl4pPr>
             <a:lvl5pPr lvl="4" algn="l">
+              <a:lnSpc>
+                <a:spcPct val="100000"/>
+              </a:lnSpc>
               <a:spcBef>
                 <a:spcPts val="0"/>
               </a:spcBef>
@@ -3302,6 +3847,9 @@
               <a:defRPr/>
             </a:lvl5pPr>
             <a:lvl6pPr lvl="5" algn="l">
+              <a:lnSpc>
+                <a:spcPct val="100000"/>
+              </a:lnSpc>
               <a:spcBef>
                 <a:spcPts val="0"/>
               </a:spcBef>
@@ -3313,6 +3861,9 @@
               <a:defRPr/>
             </a:lvl6pPr>
             <a:lvl7pPr lvl="6" algn="l">
+              <a:lnSpc>
+                <a:spcPct val="100000"/>
+              </a:lnSpc>
               <a:spcBef>
                 <a:spcPts val="0"/>
               </a:spcBef>
@@ -3324,6 +3875,9 @@
               <a:defRPr/>
             </a:lvl7pPr>
             <a:lvl8pPr lvl="7" algn="l">
+              <a:lnSpc>
+                <a:spcPct val="100000"/>
+              </a:lnSpc>
               <a:spcBef>
                 <a:spcPts val="0"/>
               </a:spcBef>
@@ -3335,6 +3889,9 @@
               <a:defRPr/>
             </a:lvl8pPr>
             <a:lvl9pPr lvl="8" algn="l">
+              <a:lnSpc>
+                <a:spcPct val="100000"/>
+              </a:lnSpc>
               <a:spcBef>
                 <a:spcPts val="0"/>
               </a:spcBef>
@@ -3376,6 +3933,9 @@
           </a:bodyPr>
           <a:lstStyle>
             <a:lvl1pPr lvl="0" algn="ctr">
+              <a:lnSpc>
+                <a:spcPct val="100000"/>
+              </a:lnSpc>
               <a:spcBef>
                 <a:spcPts val="0"/>
               </a:spcBef>
@@ -3391,6 +3951,9 @@
               </a:defRPr>
             </a:lvl1pPr>
             <a:lvl2pPr lvl="1" algn="l">
+              <a:lnSpc>
+                <a:spcPct val="100000"/>
+              </a:lnSpc>
               <a:spcBef>
                 <a:spcPts val="0"/>
               </a:spcBef>
@@ -3402,6 +3965,9 @@
               <a:defRPr/>
             </a:lvl2pPr>
             <a:lvl3pPr lvl="2" algn="l">
+              <a:lnSpc>
+                <a:spcPct val="100000"/>
+              </a:lnSpc>
               <a:spcBef>
                 <a:spcPts val="0"/>
               </a:spcBef>
@@ -3413,6 +3979,9 @@
               <a:defRPr/>
             </a:lvl3pPr>
             <a:lvl4pPr lvl="3" algn="l">
+              <a:lnSpc>
+                <a:spcPct val="100000"/>
+              </a:lnSpc>
               <a:spcBef>
                 <a:spcPts val="0"/>
               </a:spcBef>
@@ -3424,6 +3993,9 @@
               <a:defRPr/>
             </a:lvl4pPr>
             <a:lvl5pPr lvl="4" algn="l">
+              <a:lnSpc>
+                <a:spcPct val="100000"/>
+              </a:lnSpc>
               <a:spcBef>
                 <a:spcPts val="0"/>
               </a:spcBef>
@@ -3435,6 +4007,9 @@
               <a:defRPr/>
             </a:lvl5pPr>
             <a:lvl6pPr lvl="5" algn="l">
+              <a:lnSpc>
+                <a:spcPct val="100000"/>
+              </a:lnSpc>
               <a:spcBef>
                 <a:spcPts val="0"/>
               </a:spcBef>
@@ -3446,6 +4021,9 @@
               <a:defRPr/>
             </a:lvl6pPr>
             <a:lvl7pPr lvl="6" algn="l">
+              <a:lnSpc>
+                <a:spcPct val="100000"/>
+              </a:lnSpc>
               <a:spcBef>
                 <a:spcPts val="0"/>
               </a:spcBef>
@@ -3457,6 +4035,9 @@
               <a:defRPr/>
             </a:lvl7pPr>
             <a:lvl8pPr lvl="7" algn="l">
+              <a:lnSpc>
+                <a:spcPct val="100000"/>
+              </a:lnSpc>
               <a:spcBef>
                 <a:spcPts val="0"/>
               </a:spcBef>
@@ -3468,6 +4049,9 @@
               <a:defRPr/>
             </a:lvl8pPr>
             <a:lvl9pPr lvl="8" algn="l">
+              <a:lnSpc>
+                <a:spcPct val="100000"/>
+              </a:lnSpc>
               <a:spcBef>
                 <a:spcPts val="0"/>
               </a:spcBef>
@@ -3761,12 +4345,20 @@
           <a:lstStyle/>
           <a:p>
             <a:pPr indent="0" lvl="0" marL="0" marR="0" rtl="0" algn="ctr">
-              <a:spcBef>
-                <a:spcPts val="0"/>
-              </a:spcBef>
-              <a:spcAft>
-                <a:spcPts val="0"/>
-              </a:spcAft>
+              <a:lnSpc>
+                <a:spcPct val="100000"/>
+              </a:lnSpc>
+              <a:spcBef>
+                <a:spcPts val="0"/>
+              </a:spcBef>
+              <a:spcAft>
+                <a:spcPts val="0"/>
+              </a:spcAft>
+              <a:buClr>
+                <a:srgbClr val="000000"/>
+              </a:buClr>
+              <a:buSzPts val="1800"/>
+              <a:buFont typeface="Arial"/>
               <a:buNone/>
             </a:pPr>
             <a:r>
@@ -3836,7 +4428,10 @@
                 <a:sym typeface="Arial"/>
               </a:defRPr>
             </a:lvl1pPr>
-            <a:lvl2pPr lvl="1">
+            <a:lvl2pPr lvl="1" algn="l">
+              <a:lnSpc>
+                <a:spcPct val="100000"/>
+              </a:lnSpc>
               <a:spcBef>
                 <a:spcPts val="0"/>
               </a:spcBef>
@@ -3847,7 +4442,10 @@
               <a:buNone/>
               <a:defRPr/>
             </a:lvl2pPr>
-            <a:lvl3pPr lvl="2">
+            <a:lvl3pPr lvl="2" algn="l">
+              <a:lnSpc>
+                <a:spcPct val="100000"/>
+              </a:lnSpc>
               <a:spcBef>
                 <a:spcPts val="0"/>
               </a:spcBef>
@@ -3858,7 +4456,10 @@
               <a:buNone/>
               <a:defRPr/>
             </a:lvl3pPr>
-            <a:lvl4pPr lvl="3">
+            <a:lvl4pPr lvl="3" algn="l">
+              <a:lnSpc>
+                <a:spcPct val="100000"/>
+              </a:lnSpc>
               <a:spcBef>
                 <a:spcPts val="0"/>
               </a:spcBef>
@@ -3869,7 +4470,10 @@
               <a:buNone/>
               <a:defRPr/>
             </a:lvl4pPr>
-            <a:lvl5pPr lvl="4">
+            <a:lvl5pPr lvl="4" algn="l">
+              <a:lnSpc>
+                <a:spcPct val="100000"/>
+              </a:lnSpc>
               <a:spcBef>
                 <a:spcPts val="0"/>
               </a:spcBef>
@@ -3880,7 +4484,10 @@
               <a:buNone/>
               <a:defRPr/>
             </a:lvl5pPr>
-            <a:lvl6pPr lvl="5">
+            <a:lvl6pPr lvl="5" algn="l">
+              <a:lnSpc>
+                <a:spcPct val="100000"/>
+              </a:lnSpc>
               <a:spcBef>
                 <a:spcPts val="0"/>
               </a:spcBef>
@@ -3891,7 +4498,10 @@
               <a:buNone/>
               <a:defRPr/>
             </a:lvl6pPr>
-            <a:lvl7pPr lvl="6">
+            <a:lvl7pPr lvl="6" algn="l">
+              <a:lnSpc>
+                <a:spcPct val="100000"/>
+              </a:lnSpc>
               <a:spcBef>
                 <a:spcPts val="0"/>
               </a:spcBef>
@@ -3902,7 +4512,10 @@
               <a:buNone/>
               <a:defRPr/>
             </a:lvl7pPr>
-            <a:lvl8pPr lvl="7">
+            <a:lvl8pPr lvl="7" algn="l">
+              <a:lnSpc>
+                <a:spcPct val="100000"/>
+              </a:lnSpc>
               <a:spcBef>
                 <a:spcPts val="0"/>
               </a:spcBef>
@@ -3913,7 +4526,10 @@
               <a:buNone/>
               <a:defRPr/>
             </a:lvl8pPr>
-            <a:lvl9pPr lvl="8">
+            <a:lvl9pPr lvl="8" algn="l">
+              <a:lnSpc>
+                <a:spcPct val="100000"/>
+              </a:lnSpc>
               <a:spcBef>
                 <a:spcPts val="0"/>
               </a:spcBef>
@@ -4011,12 +4627,20 @@
           <a:lstStyle/>
           <a:p>
             <a:pPr indent="0" lvl="0" marL="0" marR="0" rtl="0" algn="ctr">
-              <a:spcBef>
-                <a:spcPts val="0"/>
-              </a:spcBef>
-              <a:spcAft>
-                <a:spcPts val="0"/>
-              </a:spcAft>
+              <a:lnSpc>
+                <a:spcPct val="100000"/>
+              </a:lnSpc>
+              <a:spcBef>
+                <a:spcPts val="0"/>
+              </a:spcBef>
+              <a:spcAft>
+                <a:spcPts val="0"/>
+              </a:spcAft>
+              <a:buClr>
+                <a:srgbClr val="000000"/>
+              </a:buClr>
+              <a:buSzPts val="1800"/>
+              <a:buFont typeface="Arial"/>
               <a:buNone/>
             </a:pPr>
             <a:r>
@@ -4132,7 +4756,10 @@
               <a:buNone/>
               <a:defRPr/>
             </a:lvl1pPr>
-            <a:lvl2pPr lvl="1">
+            <a:lvl2pPr lvl="1" algn="l">
+              <a:lnSpc>
+                <a:spcPct val="100000"/>
+              </a:lnSpc>
               <a:spcBef>
                 <a:spcPts val="0"/>
               </a:spcBef>
@@ -4143,7 +4770,10 @@
               <a:buNone/>
               <a:defRPr/>
             </a:lvl2pPr>
-            <a:lvl3pPr lvl="2">
+            <a:lvl3pPr lvl="2" algn="l">
+              <a:lnSpc>
+                <a:spcPct val="100000"/>
+              </a:lnSpc>
               <a:spcBef>
                 <a:spcPts val="0"/>
               </a:spcBef>
@@ -4154,7 +4784,10 @@
               <a:buNone/>
               <a:defRPr/>
             </a:lvl3pPr>
-            <a:lvl4pPr lvl="3">
+            <a:lvl4pPr lvl="3" algn="l">
+              <a:lnSpc>
+                <a:spcPct val="100000"/>
+              </a:lnSpc>
               <a:spcBef>
                 <a:spcPts val="0"/>
               </a:spcBef>
@@ -4165,7 +4798,10 @@
               <a:buNone/>
               <a:defRPr/>
             </a:lvl4pPr>
-            <a:lvl5pPr lvl="4">
+            <a:lvl5pPr lvl="4" algn="l">
+              <a:lnSpc>
+                <a:spcPct val="100000"/>
+              </a:lnSpc>
               <a:spcBef>
                 <a:spcPts val="0"/>
               </a:spcBef>
@@ -4176,7 +4812,10 @@
               <a:buNone/>
               <a:defRPr/>
             </a:lvl5pPr>
-            <a:lvl6pPr lvl="5">
+            <a:lvl6pPr lvl="5" algn="l">
+              <a:lnSpc>
+                <a:spcPct val="100000"/>
+              </a:lnSpc>
               <a:spcBef>
                 <a:spcPts val="0"/>
               </a:spcBef>
@@ -4187,7 +4826,10 @@
               <a:buNone/>
               <a:defRPr/>
             </a:lvl6pPr>
-            <a:lvl7pPr lvl="6">
+            <a:lvl7pPr lvl="6" algn="l">
+              <a:lnSpc>
+                <a:spcPct val="100000"/>
+              </a:lnSpc>
               <a:spcBef>
                 <a:spcPts val="0"/>
               </a:spcBef>
@@ -4198,7 +4840,10 @@
               <a:buNone/>
               <a:defRPr/>
             </a:lvl7pPr>
-            <a:lvl8pPr lvl="7">
+            <a:lvl8pPr lvl="7" algn="l">
+              <a:lnSpc>
+                <a:spcPct val="100000"/>
+              </a:lnSpc>
               <a:spcBef>
                 <a:spcPts val="0"/>
               </a:spcBef>
@@ -4209,7 +4854,10 @@
               <a:buNone/>
               <a:defRPr/>
             </a:lvl8pPr>
-            <a:lvl9pPr lvl="8">
+            <a:lvl9pPr lvl="8" algn="l">
+              <a:lnSpc>
+                <a:spcPct val="100000"/>
+              </a:lnSpc>
               <a:spcBef>
                 <a:spcPts val="0"/>
               </a:spcBef>
@@ -4474,6 +5122,9 @@
           </a:bodyPr>
           <a:lstStyle>
             <a:lvl1pPr lvl="0" algn="ctr">
+              <a:lnSpc>
+                <a:spcPct val="100000"/>
+              </a:lnSpc>
               <a:spcBef>
                 <a:spcPts val="0"/>
               </a:spcBef>
@@ -4485,6 +5136,9 @@
               <a:defRPr/>
             </a:lvl1pPr>
             <a:lvl2pPr lvl="1" algn="l">
+              <a:lnSpc>
+                <a:spcPct val="100000"/>
+              </a:lnSpc>
               <a:spcBef>
                 <a:spcPts val="0"/>
               </a:spcBef>
@@ -4496,6 +5150,9 @@
               <a:defRPr/>
             </a:lvl2pPr>
             <a:lvl3pPr lvl="2" algn="l">
+              <a:lnSpc>
+                <a:spcPct val="100000"/>
+              </a:lnSpc>
               <a:spcBef>
                 <a:spcPts val="0"/>
               </a:spcBef>
@@ -4507,6 +5164,9 @@
               <a:defRPr/>
             </a:lvl3pPr>
             <a:lvl4pPr lvl="3" algn="l">
+              <a:lnSpc>
+                <a:spcPct val="100000"/>
+              </a:lnSpc>
               <a:spcBef>
                 <a:spcPts val="0"/>
               </a:spcBef>
@@ -4518,6 +5178,9 @@
               <a:defRPr/>
             </a:lvl4pPr>
             <a:lvl5pPr lvl="4" algn="l">
+              <a:lnSpc>
+                <a:spcPct val="100000"/>
+              </a:lnSpc>
               <a:spcBef>
                 <a:spcPts val="0"/>
               </a:spcBef>
@@ -4529,6 +5192,9 @@
               <a:defRPr/>
             </a:lvl5pPr>
             <a:lvl6pPr lvl="5" algn="l">
+              <a:lnSpc>
+                <a:spcPct val="100000"/>
+              </a:lnSpc>
               <a:spcBef>
                 <a:spcPts val="0"/>
               </a:spcBef>
@@ -4540,6 +5206,9 @@
               <a:defRPr/>
             </a:lvl6pPr>
             <a:lvl7pPr lvl="6" algn="l">
+              <a:lnSpc>
+                <a:spcPct val="100000"/>
+              </a:lnSpc>
               <a:spcBef>
                 <a:spcPts val="0"/>
               </a:spcBef>
@@ -4551,6 +5220,9 @@
               <a:defRPr/>
             </a:lvl7pPr>
             <a:lvl8pPr lvl="7" algn="l">
+              <a:lnSpc>
+                <a:spcPct val="100000"/>
+              </a:lnSpc>
               <a:spcBef>
                 <a:spcPts val="0"/>
               </a:spcBef>
@@ -4562,6 +5234,9 @@
               <a:defRPr/>
             </a:lvl8pPr>
             <a:lvl9pPr lvl="8" algn="l">
+              <a:lnSpc>
+                <a:spcPct val="100000"/>
+              </a:lnSpc>
               <a:spcBef>
                 <a:spcPts val="0"/>
               </a:spcBef>
@@ -4603,6 +5278,9 @@
           </a:bodyPr>
           <a:lstStyle>
             <a:lvl1pPr lvl="0" algn="ctr">
+              <a:lnSpc>
+                <a:spcPct val="100000"/>
+              </a:lnSpc>
               <a:spcBef>
                 <a:spcPts val="0"/>
               </a:spcBef>
@@ -4614,6 +5292,9 @@
               <a:defRPr/>
             </a:lvl1pPr>
             <a:lvl2pPr lvl="1" algn="l">
+              <a:lnSpc>
+                <a:spcPct val="100000"/>
+              </a:lnSpc>
               <a:spcBef>
                 <a:spcPts val="0"/>
               </a:spcBef>
@@ -4625,6 +5306,9 @@
               <a:defRPr/>
             </a:lvl2pPr>
             <a:lvl3pPr lvl="2" algn="l">
+              <a:lnSpc>
+                <a:spcPct val="100000"/>
+              </a:lnSpc>
               <a:spcBef>
                 <a:spcPts val="0"/>
               </a:spcBef>
@@ -4636,6 +5320,9 @@
               <a:defRPr/>
             </a:lvl3pPr>
             <a:lvl4pPr lvl="3" algn="l">
+              <a:lnSpc>
+                <a:spcPct val="100000"/>
+              </a:lnSpc>
               <a:spcBef>
                 <a:spcPts val="0"/>
               </a:spcBef>
@@ -4647,6 +5334,9 @@
               <a:defRPr/>
             </a:lvl4pPr>
             <a:lvl5pPr lvl="4" algn="l">
+              <a:lnSpc>
+                <a:spcPct val="100000"/>
+              </a:lnSpc>
               <a:spcBef>
                 <a:spcPts val="0"/>
               </a:spcBef>
@@ -4658,6 +5348,9 @@
               <a:defRPr/>
             </a:lvl5pPr>
             <a:lvl6pPr lvl="5" algn="l">
+              <a:lnSpc>
+                <a:spcPct val="100000"/>
+              </a:lnSpc>
               <a:spcBef>
                 <a:spcPts val="0"/>
               </a:spcBef>
@@ -4669,6 +5362,9 @@
               <a:defRPr/>
             </a:lvl6pPr>
             <a:lvl7pPr lvl="6" algn="l">
+              <a:lnSpc>
+                <a:spcPct val="100000"/>
+              </a:lnSpc>
               <a:spcBef>
                 <a:spcPts val="0"/>
               </a:spcBef>
@@ -4680,6 +5376,9 @@
               <a:defRPr/>
             </a:lvl7pPr>
             <a:lvl8pPr lvl="7" algn="l">
+              <a:lnSpc>
+                <a:spcPct val="100000"/>
+              </a:lnSpc>
               <a:spcBef>
                 <a:spcPts val="0"/>
               </a:spcBef>
@@ -4691,6 +5390,9 @@
               <a:defRPr/>
             </a:lvl8pPr>
             <a:lvl9pPr lvl="8" algn="l">
+              <a:lnSpc>
+                <a:spcPct val="100000"/>
+              </a:lnSpc>
               <a:spcBef>
                 <a:spcPts val="0"/>
               </a:spcBef>
@@ -4776,7 +5478,10 @@
               <a:buNone/>
               <a:defRPr/>
             </a:lvl1pPr>
-            <a:lvl2pPr lvl="1">
+            <a:lvl2pPr lvl="1" algn="l">
+              <a:lnSpc>
+                <a:spcPct val="100000"/>
+              </a:lnSpc>
               <a:spcBef>
                 <a:spcPts val="0"/>
               </a:spcBef>
@@ -4787,7 +5492,10 @@
               <a:buNone/>
               <a:defRPr/>
             </a:lvl2pPr>
-            <a:lvl3pPr lvl="2">
+            <a:lvl3pPr lvl="2" algn="l">
+              <a:lnSpc>
+                <a:spcPct val="100000"/>
+              </a:lnSpc>
               <a:spcBef>
                 <a:spcPts val="0"/>
               </a:spcBef>
@@ -4798,7 +5506,10 @@
               <a:buNone/>
               <a:defRPr/>
             </a:lvl3pPr>
-            <a:lvl4pPr lvl="3">
+            <a:lvl4pPr lvl="3" algn="l">
+              <a:lnSpc>
+                <a:spcPct val="100000"/>
+              </a:lnSpc>
               <a:spcBef>
                 <a:spcPts val="0"/>
               </a:spcBef>
@@ -4809,7 +5520,10 @@
               <a:buNone/>
               <a:defRPr/>
             </a:lvl4pPr>
-            <a:lvl5pPr lvl="4">
+            <a:lvl5pPr lvl="4" algn="l">
+              <a:lnSpc>
+                <a:spcPct val="100000"/>
+              </a:lnSpc>
               <a:spcBef>
                 <a:spcPts val="0"/>
               </a:spcBef>
@@ -4820,7 +5534,10 @@
               <a:buNone/>
               <a:defRPr/>
             </a:lvl5pPr>
-            <a:lvl6pPr lvl="5">
+            <a:lvl6pPr lvl="5" algn="l">
+              <a:lnSpc>
+                <a:spcPct val="100000"/>
+              </a:lnSpc>
               <a:spcBef>
                 <a:spcPts val="0"/>
               </a:spcBef>
@@ -4831,7 +5548,10 @@
               <a:buNone/>
               <a:defRPr/>
             </a:lvl6pPr>
-            <a:lvl7pPr lvl="6">
+            <a:lvl7pPr lvl="6" algn="l">
+              <a:lnSpc>
+                <a:spcPct val="100000"/>
+              </a:lnSpc>
               <a:spcBef>
                 <a:spcPts val="0"/>
               </a:spcBef>
@@ -4842,7 +5562,10 @@
               <a:buNone/>
               <a:defRPr/>
             </a:lvl7pPr>
-            <a:lvl8pPr lvl="7">
+            <a:lvl8pPr lvl="7" algn="l">
+              <a:lnSpc>
+                <a:spcPct val="100000"/>
+              </a:lnSpc>
               <a:spcBef>
                 <a:spcPts val="0"/>
               </a:spcBef>
@@ -4853,7 +5576,10 @@
               <a:buNone/>
               <a:defRPr/>
             </a:lvl8pPr>
-            <a:lvl9pPr lvl="8">
+            <a:lvl9pPr lvl="8" algn="l">
+              <a:lnSpc>
+                <a:spcPct val="100000"/>
+              </a:lnSpc>
               <a:spcBef>
                 <a:spcPts val="0"/>
               </a:spcBef>
@@ -5261,6 +5987,9 @@
           </a:bodyPr>
           <a:lstStyle>
             <a:lvl1pPr lvl="0" algn="ctr">
+              <a:lnSpc>
+                <a:spcPct val="100000"/>
+              </a:lnSpc>
               <a:spcBef>
                 <a:spcPts val="0"/>
               </a:spcBef>
@@ -5272,6 +6001,9 @@
               <a:defRPr/>
             </a:lvl1pPr>
             <a:lvl2pPr lvl="1" algn="l">
+              <a:lnSpc>
+                <a:spcPct val="100000"/>
+              </a:lnSpc>
               <a:spcBef>
                 <a:spcPts val="0"/>
               </a:spcBef>
@@ -5283,6 +6015,9 @@
               <a:defRPr/>
             </a:lvl2pPr>
             <a:lvl3pPr lvl="2" algn="l">
+              <a:lnSpc>
+                <a:spcPct val="100000"/>
+              </a:lnSpc>
               <a:spcBef>
                 <a:spcPts val="0"/>
               </a:spcBef>
@@ -5294,6 +6029,9 @@
               <a:defRPr/>
             </a:lvl3pPr>
             <a:lvl4pPr lvl="3" algn="l">
+              <a:lnSpc>
+                <a:spcPct val="100000"/>
+              </a:lnSpc>
               <a:spcBef>
                 <a:spcPts val="0"/>
               </a:spcBef>
@@ -5305,6 +6043,9 @@
               <a:defRPr/>
             </a:lvl4pPr>
             <a:lvl5pPr lvl="4" algn="l">
+              <a:lnSpc>
+                <a:spcPct val="100000"/>
+              </a:lnSpc>
               <a:spcBef>
                 <a:spcPts val="0"/>
               </a:spcBef>
@@ -5316,6 +6057,9 @@
               <a:defRPr/>
             </a:lvl5pPr>
             <a:lvl6pPr lvl="5" algn="l">
+              <a:lnSpc>
+                <a:spcPct val="100000"/>
+              </a:lnSpc>
               <a:spcBef>
                 <a:spcPts val="0"/>
               </a:spcBef>
@@ -5327,6 +6071,9 @@
               <a:defRPr/>
             </a:lvl6pPr>
             <a:lvl7pPr lvl="6" algn="l">
+              <a:lnSpc>
+                <a:spcPct val="100000"/>
+              </a:lnSpc>
               <a:spcBef>
                 <a:spcPts val="0"/>
               </a:spcBef>
@@ -5338,6 +6085,9 @@
               <a:defRPr/>
             </a:lvl7pPr>
             <a:lvl8pPr lvl="7" algn="l">
+              <a:lnSpc>
+                <a:spcPct val="100000"/>
+              </a:lnSpc>
               <a:spcBef>
                 <a:spcPts val="0"/>
               </a:spcBef>
@@ -5349,6 +6099,9 @@
               <a:defRPr/>
             </a:lvl8pPr>
             <a:lvl9pPr lvl="8" algn="l">
+              <a:lnSpc>
+                <a:spcPct val="100000"/>
+              </a:lnSpc>
               <a:spcBef>
                 <a:spcPts val="0"/>
               </a:spcBef>
@@ -5390,6 +6143,9 @@
           </a:bodyPr>
           <a:lstStyle>
             <a:lvl1pPr lvl="0" algn="ctr">
+              <a:lnSpc>
+                <a:spcPct val="100000"/>
+              </a:lnSpc>
               <a:spcBef>
                 <a:spcPts val="0"/>
               </a:spcBef>
@@ -5401,6 +6157,9 @@
               <a:defRPr/>
             </a:lvl1pPr>
             <a:lvl2pPr lvl="1" algn="l">
+              <a:lnSpc>
+                <a:spcPct val="100000"/>
+              </a:lnSpc>
               <a:spcBef>
                 <a:spcPts val="0"/>
               </a:spcBef>
@@ -5412,6 +6171,9 @@
               <a:defRPr/>
             </a:lvl2pPr>
             <a:lvl3pPr lvl="2" algn="l">
+              <a:lnSpc>
+                <a:spcPct val="100000"/>
+              </a:lnSpc>
               <a:spcBef>
                 <a:spcPts val="0"/>
               </a:spcBef>
@@ -5423,6 +6185,9 @@
               <a:defRPr/>
             </a:lvl3pPr>
             <a:lvl4pPr lvl="3" algn="l">
+              <a:lnSpc>
+                <a:spcPct val="100000"/>
+              </a:lnSpc>
               <a:spcBef>
                 <a:spcPts val="0"/>
               </a:spcBef>
@@ -5434,6 +6199,9 @@
               <a:defRPr/>
             </a:lvl4pPr>
             <a:lvl5pPr lvl="4" algn="l">
+              <a:lnSpc>
+                <a:spcPct val="100000"/>
+              </a:lnSpc>
               <a:spcBef>
                 <a:spcPts val="0"/>
               </a:spcBef>
@@ -5445,6 +6213,9 @@
               <a:defRPr/>
             </a:lvl5pPr>
             <a:lvl6pPr lvl="5" algn="l">
+              <a:lnSpc>
+                <a:spcPct val="100000"/>
+              </a:lnSpc>
               <a:spcBef>
                 <a:spcPts val="0"/>
               </a:spcBef>
@@ -5456,6 +6227,9 @@
               <a:defRPr/>
             </a:lvl6pPr>
             <a:lvl7pPr lvl="6" algn="l">
+              <a:lnSpc>
+                <a:spcPct val="100000"/>
+              </a:lnSpc>
               <a:spcBef>
                 <a:spcPts val="0"/>
               </a:spcBef>
@@ -5467,6 +6241,9 @@
               <a:defRPr/>
             </a:lvl7pPr>
             <a:lvl8pPr lvl="7" algn="l">
+              <a:lnSpc>
+                <a:spcPct val="100000"/>
+              </a:lnSpc>
               <a:spcBef>
                 <a:spcPts val="0"/>
               </a:spcBef>
@@ -5478,6 +6255,9 @@
               <a:defRPr/>
             </a:lvl8pPr>
             <a:lvl9pPr lvl="8" algn="l">
+              <a:lnSpc>
+                <a:spcPct val="100000"/>
+              </a:lnSpc>
               <a:spcBef>
                 <a:spcPts val="0"/>
               </a:spcBef>
@@ -5563,7 +6343,10 @@
               <a:buNone/>
               <a:defRPr/>
             </a:lvl1pPr>
-            <a:lvl2pPr lvl="1">
+            <a:lvl2pPr lvl="1" algn="l">
+              <a:lnSpc>
+                <a:spcPct val="100000"/>
+              </a:lnSpc>
               <a:spcBef>
                 <a:spcPts val="0"/>
               </a:spcBef>
@@ -5574,7 +6357,10 @@
               <a:buNone/>
               <a:defRPr/>
             </a:lvl2pPr>
-            <a:lvl3pPr lvl="2">
+            <a:lvl3pPr lvl="2" algn="l">
+              <a:lnSpc>
+                <a:spcPct val="100000"/>
+              </a:lnSpc>
               <a:spcBef>
                 <a:spcPts val="0"/>
               </a:spcBef>
@@ -5585,7 +6371,10 @@
               <a:buNone/>
               <a:defRPr/>
             </a:lvl3pPr>
-            <a:lvl4pPr lvl="3">
+            <a:lvl4pPr lvl="3" algn="l">
+              <a:lnSpc>
+                <a:spcPct val="100000"/>
+              </a:lnSpc>
               <a:spcBef>
                 <a:spcPts val="0"/>
               </a:spcBef>
@@ -5596,7 +6385,10 @@
               <a:buNone/>
               <a:defRPr/>
             </a:lvl4pPr>
-            <a:lvl5pPr lvl="4">
+            <a:lvl5pPr lvl="4" algn="l">
+              <a:lnSpc>
+                <a:spcPct val="100000"/>
+              </a:lnSpc>
               <a:spcBef>
                 <a:spcPts val="0"/>
               </a:spcBef>
@@ -5607,7 +6399,10 @@
               <a:buNone/>
               <a:defRPr/>
             </a:lvl5pPr>
-            <a:lvl6pPr lvl="5">
+            <a:lvl6pPr lvl="5" algn="l">
+              <a:lnSpc>
+                <a:spcPct val="100000"/>
+              </a:lnSpc>
               <a:spcBef>
                 <a:spcPts val="0"/>
               </a:spcBef>
@@ -5618,7 +6413,10 @@
               <a:buNone/>
               <a:defRPr/>
             </a:lvl6pPr>
-            <a:lvl7pPr lvl="6">
+            <a:lvl7pPr lvl="6" algn="l">
+              <a:lnSpc>
+                <a:spcPct val="100000"/>
+              </a:lnSpc>
               <a:spcBef>
                 <a:spcPts val="0"/>
               </a:spcBef>
@@ -5629,7 +6427,10 @@
               <a:buNone/>
               <a:defRPr/>
             </a:lvl7pPr>
-            <a:lvl8pPr lvl="7">
+            <a:lvl8pPr lvl="7" algn="l">
+              <a:lnSpc>
+                <a:spcPct val="100000"/>
+              </a:lnSpc>
               <a:spcBef>
                 <a:spcPts val="0"/>
               </a:spcBef>
@@ -5640,7 +6441,10 @@
               <a:buNone/>
               <a:defRPr/>
             </a:lvl8pPr>
-            <a:lvl9pPr lvl="8">
+            <a:lvl9pPr lvl="8" algn="l">
+              <a:lnSpc>
+                <a:spcPct val="100000"/>
+              </a:lnSpc>
               <a:spcBef>
                 <a:spcPts val="0"/>
               </a:spcBef>
@@ -5682,6 +6486,9 @@
           </a:bodyPr>
           <a:lstStyle>
             <a:lvl1pPr lvl="0" algn="ctr">
+              <a:lnSpc>
+                <a:spcPct val="100000"/>
+              </a:lnSpc>
               <a:spcBef>
                 <a:spcPts val="0"/>
               </a:spcBef>
@@ -5693,6 +6500,9 @@
               <a:defRPr/>
             </a:lvl1pPr>
             <a:lvl2pPr lvl="1" algn="l">
+              <a:lnSpc>
+                <a:spcPct val="100000"/>
+              </a:lnSpc>
               <a:spcBef>
                 <a:spcPts val="0"/>
               </a:spcBef>
@@ -5704,6 +6514,9 @@
               <a:defRPr/>
             </a:lvl2pPr>
             <a:lvl3pPr lvl="2" algn="l">
+              <a:lnSpc>
+                <a:spcPct val="100000"/>
+              </a:lnSpc>
               <a:spcBef>
                 <a:spcPts val="0"/>
               </a:spcBef>
@@ -5715,6 +6528,9 @@
               <a:defRPr/>
             </a:lvl3pPr>
             <a:lvl4pPr lvl="3" algn="l">
+              <a:lnSpc>
+                <a:spcPct val="100000"/>
+              </a:lnSpc>
               <a:spcBef>
                 <a:spcPts val="0"/>
               </a:spcBef>
@@ -5726,6 +6542,9 @@
               <a:defRPr/>
             </a:lvl4pPr>
             <a:lvl5pPr lvl="4" algn="l">
+              <a:lnSpc>
+                <a:spcPct val="100000"/>
+              </a:lnSpc>
               <a:spcBef>
                 <a:spcPts val="0"/>
               </a:spcBef>
@@ -5737,6 +6556,9 @@
               <a:defRPr/>
             </a:lvl5pPr>
             <a:lvl6pPr lvl="5" algn="l">
+              <a:lnSpc>
+                <a:spcPct val="100000"/>
+              </a:lnSpc>
               <a:spcBef>
                 <a:spcPts val="0"/>
               </a:spcBef>
@@ -5748,6 +6570,9 @@
               <a:defRPr/>
             </a:lvl6pPr>
             <a:lvl7pPr lvl="6" algn="l">
+              <a:lnSpc>
+                <a:spcPct val="100000"/>
+              </a:lnSpc>
               <a:spcBef>
                 <a:spcPts val="0"/>
               </a:spcBef>
@@ -5759,6 +6584,9 @@
               <a:defRPr/>
             </a:lvl7pPr>
             <a:lvl8pPr lvl="7" algn="l">
+              <a:lnSpc>
+                <a:spcPct val="100000"/>
+              </a:lnSpc>
               <a:spcBef>
                 <a:spcPts val="0"/>
               </a:spcBef>
@@ -5770,6 +6598,9 @@
               <a:defRPr/>
             </a:lvl8pPr>
             <a:lvl9pPr lvl="8" algn="l">
+              <a:lnSpc>
+                <a:spcPct val="100000"/>
+              </a:lnSpc>
               <a:spcBef>
                 <a:spcPts val="0"/>
               </a:spcBef>
@@ -5811,6 +6642,9 @@
           </a:bodyPr>
           <a:lstStyle>
             <a:lvl1pPr lvl="0" algn="ctr">
+              <a:lnSpc>
+                <a:spcPct val="100000"/>
+              </a:lnSpc>
               <a:spcBef>
                 <a:spcPts val="0"/>
               </a:spcBef>
@@ -5822,6 +6656,9 @@
               <a:defRPr/>
             </a:lvl1pPr>
             <a:lvl2pPr lvl="1" algn="l">
+              <a:lnSpc>
+                <a:spcPct val="100000"/>
+              </a:lnSpc>
               <a:spcBef>
                 <a:spcPts val="0"/>
               </a:spcBef>
@@ -5833,6 +6670,9 @@
               <a:defRPr/>
             </a:lvl2pPr>
             <a:lvl3pPr lvl="2" algn="l">
+              <a:lnSpc>
+                <a:spcPct val="100000"/>
+              </a:lnSpc>
               <a:spcBef>
                 <a:spcPts val="0"/>
               </a:spcBef>
@@ -5844,6 +6684,9 @@
               <a:defRPr/>
             </a:lvl3pPr>
             <a:lvl4pPr lvl="3" algn="l">
+              <a:lnSpc>
+                <a:spcPct val="100000"/>
+              </a:lnSpc>
               <a:spcBef>
                 <a:spcPts val="0"/>
               </a:spcBef>
@@ -5855,6 +6698,9 @@
               <a:defRPr/>
             </a:lvl4pPr>
             <a:lvl5pPr lvl="4" algn="l">
+              <a:lnSpc>
+                <a:spcPct val="100000"/>
+              </a:lnSpc>
               <a:spcBef>
                 <a:spcPts val="0"/>
               </a:spcBef>
@@ -5866,6 +6712,9 @@
               <a:defRPr/>
             </a:lvl5pPr>
             <a:lvl6pPr lvl="5" algn="l">
+              <a:lnSpc>
+                <a:spcPct val="100000"/>
+              </a:lnSpc>
               <a:spcBef>
                 <a:spcPts val="0"/>
               </a:spcBef>
@@ -5877,6 +6726,9 @@
               <a:defRPr/>
             </a:lvl6pPr>
             <a:lvl7pPr lvl="6" algn="l">
+              <a:lnSpc>
+                <a:spcPct val="100000"/>
+              </a:lnSpc>
               <a:spcBef>
                 <a:spcPts val="0"/>
               </a:spcBef>
@@ -5888,6 +6740,9 @@
               <a:defRPr/>
             </a:lvl7pPr>
             <a:lvl8pPr lvl="7" algn="l">
+              <a:lnSpc>
+                <a:spcPct val="100000"/>
+              </a:lnSpc>
               <a:spcBef>
                 <a:spcPts val="0"/>
               </a:spcBef>
@@ -5899,6 +6754,9 @@
               <a:defRPr/>
             </a:lvl8pPr>
             <a:lvl9pPr lvl="8" algn="l">
+              <a:lnSpc>
+                <a:spcPct val="100000"/>
+              </a:lnSpc>
               <a:spcBef>
                 <a:spcPts val="0"/>
               </a:spcBef>
@@ -5968,6 +6826,9 @@
           </a:bodyPr>
           <a:lstStyle>
             <a:lvl1pPr lvl="0" algn="ctr">
+              <a:lnSpc>
+                <a:spcPct val="100000"/>
+              </a:lnSpc>
               <a:spcBef>
                 <a:spcPts val="0"/>
               </a:spcBef>
@@ -5979,6 +6840,9 @@
               <a:defRPr/>
             </a:lvl1pPr>
             <a:lvl2pPr lvl="1" algn="l">
+              <a:lnSpc>
+                <a:spcPct val="100000"/>
+              </a:lnSpc>
               <a:spcBef>
                 <a:spcPts val="0"/>
               </a:spcBef>
@@ -5990,6 +6854,9 @@
               <a:defRPr/>
             </a:lvl2pPr>
             <a:lvl3pPr lvl="2" algn="l">
+              <a:lnSpc>
+                <a:spcPct val="100000"/>
+              </a:lnSpc>
               <a:spcBef>
                 <a:spcPts val="0"/>
               </a:spcBef>
@@ -6001,6 +6868,9 @@
               <a:defRPr/>
             </a:lvl3pPr>
             <a:lvl4pPr lvl="3" algn="l">
+              <a:lnSpc>
+                <a:spcPct val="100000"/>
+              </a:lnSpc>
               <a:spcBef>
                 <a:spcPts val="0"/>
               </a:spcBef>
@@ -6012,6 +6882,9 @@
               <a:defRPr/>
             </a:lvl4pPr>
             <a:lvl5pPr lvl="4" algn="l">
+              <a:lnSpc>
+                <a:spcPct val="100000"/>
+              </a:lnSpc>
               <a:spcBef>
                 <a:spcPts val="0"/>
               </a:spcBef>
@@ -6023,6 +6896,9 @@
               <a:defRPr/>
             </a:lvl5pPr>
             <a:lvl6pPr lvl="5" algn="l">
+              <a:lnSpc>
+                <a:spcPct val="100000"/>
+              </a:lnSpc>
               <a:spcBef>
                 <a:spcPts val="0"/>
               </a:spcBef>
@@ -6034,6 +6910,9 @@
               <a:defRPr/>
             </a:lvl6pPr>
             <a:lvl7pPr lvl="6" algn="l">
+              <a:lnSpc>
+                <a:spcPct val="100000"/>
+              </a:lnSpc>
               <a:spcBef>
                 <a:spcPts val="0"/>
               </a:spcBef>
@@ -6045,6 +6924,9 @@
               <a:defRPr/>
             </a:lvl7pPr>
             <a:lvl8pPr lvl="7" algn="l">
+              <a:lnSpc>
+                <a:spcPct val="100000"/>
+              </a:lnSpc>
               <a:spcBef>
                 <a:spcPts val="0"/>
               </a:spcBef>
@@ -6056,6 +6938,9 @@
               <a:defRPr/>
             </a:lvl8pPr>
             <a:lvl9pPr lvl="8" algn="l">
+              <a:lnSpc>
+                <a:spcPct val="100000"/>
+              </a:lnSpc>
               <a:spcBef>
                 <a:spcPts val="0"/>
               </a:spcBef>
@@ -6097,6 +6982,9 @@
           </a:bodyPr>
           <a:lstStyle>
             <a:lvl1pPr lvl="0" algn="ctr">
+              <a:lnSpc>
+                <a:spcPct val="100000"/>
+              </a:lnSpc>
               <a:spcBef>
                 <a:spcPts val="0"/>
               </a:spcBef>
@@ -6108,6 +6996,9 @@
               <a:defRPr/>
             </a:lvl1pPr>
             <a:lvl2pPr lvl="1" algn="l">
+              <a:lnSpc>
+                <a:spcPct val="100000"/>
+              </a:lnSpc>
               <a:spcBef>
                 <a:spcPts val="0"/>
               </a:spcBef>
@@ -6119,6 +7010,9 @@
               <a:defRPr/>
             </a:lvl2pPr>
             <a:lvl3pPr lvl="2" algn="l">
+              <a:lnSpc>
+                <a:spcPct val="100000"/>
+              </a:lnSpc>
               <a:spcBef>
                 <a:spcPts val="0"/>
               </a:spcBef>
@@ -6130,6 +7024,9 @@
               <a:defRPr/>
             </a:lvl3pPr>
             <a:lvl4pPr lvl="3" algn="l">
+              <a:lnSpc>
+                <a:spcPct val="100000"/>
+              </a:lnSpc>
               <a:spcBef>
                 <a:spcPts val="0"/>
               </a:spcBef>
@@ -6141,6 +7038,9 @@
               <a:defRPr/>
             </a:lvl4pPr>
             <a:lvl5pPr lvl="4" algn="l">
+              <a:lnSpc>
+                <a:spcPct val="100000"/>
+              </a:lnSpc>
               <a:spcBef>
                 <a:spcPts val="0"/>
               </a:spcBef>
@@ -6152,6 +7052,9 @@
               <a:defRPr/>
             </a:lvl5pPr>
             <a:lvl6pPr lvl="5" algn="l">
+              <a:lnSpc>
+                <a:spcPct val="100000"/>
+              </a:lnSpc>
               <a:spcBef>
                 <a:spcPts val="0"/>
               </a:spcBef>
@@ -6163,6 +7066,9 @@
               <a:defRPr/>
             </a:lvl6pPr>
             <a:lvl7pPr lvl="6" algn="l">
+              <a:lnSpc>
+                <a:spcPct val="100000"/>
+              </a:lnSpc>
               <a:spcBef>
                 <a:spcPts val="0"/>
               </a:spcBef>
@@ -6174,6 +7080,9 @@
               <a:defRPr/>
             </a:lvl7pPr>
             <a:lvl8pPr lvl="7" algn="l">
+              <a:lnSpc>
+                <a:spcPct val="100000"/>
+              </a:lnSpc>
               <a:spcBef>
                 <a:spcPts val="0"/>
               </a:spcBef>
@@ -6185,6 +7094,9 @@
               <a:defRPr/>
             </a:lvl8pPr>
             <a:lvl9pPr lvl="8" algn="l">
+              <a:lnSpc>
+                <a:spcPct val="100000"/>
+              </a:lnSpc>
               <a:spcBef>
                 <a:spcPts val="0"/>
               </a:spcBef>
@@ -6286,93 +7198,213 @@
                 <a:sym typeface="Arial"/>
               </a:defRPr>
             </a:lvl1pPr>
-            <a:lvl2pPr lvl="1">
-              <a:spcBef>
-                <a:spcPts val="0"/>
-              </a:spcBef>
-              <a:spcAft>
-                <a:spcPts val="0"/>
-              </a:spcAft>
-              <a:buSzPts val="1400"/>
-              <a:buNone/>
-              <a:defRPr sz="1800"/>
+            <a:lvl2pPr lvl="1" marR="0" rtl="0" algn="l">
+              <a:lnSpc>
+                <a:spcPct val="100000"/>
+              </a:lnSpc>
+              <a:spcBef>
+                <a:spcPts val="0"/>
+              </a:spcBef>
+              <a:spcAft>
+                <a:spcPts val="0"/>
+              </a:spcAft>
+              <a:buClr>
+                <a:srgbClr val="000000"/>
+              </a:buClr>
+              <a:buSzPts val="1400"/>
+              <a:buFont typeface="Arial"/>
+              <a:buNone/>
+              <a:defRPr b="0" i="0" sz="1800" u="none" cap="none" strike="noStrike">
+                <a:solidFill>
+                  <a:srgbClr val="000000"/>
+                </a:solidFill>
+                <a:latin typeface="Arial"/>
+                <a:ea typeface="Arial"/>
+                <a:cs typeface="Arial"/>
+                <a:sym typeface="Arial"/>
+              </a:defRPr>
             </a:lvl2pPr>
-            <a:lvl3pPr lvl="2">
-              <a:spcBef>
-                <a:spcPts val="0"/>
-              </a:spcBef>
-              <a:spcAft>
-                <a:spcPts val="0"/>
-              </a:spcAft>
-              <a:buSzPts val="1400"/>
-              <a:buNone/>
-              <a:defRPr sz="1800"/>
+            <a:lvl3pPr lvl="2" marR="0" rtl="0" algn="l">
+              <a:lnSpc>
+                <a:spcPct val="100000"/>
+              </a:lnSpc>
+              <a:spcBef>
+                <a:spcPts val="0"/>
+              </a:spcBef>
+              <a:spcAft>
+                <a:spcPts val="0"/>
+              </a:spcAft>
+              <a:buClr>
+                <a:srgbClr val="000000"/>
+              </a:buClr>
+              <a:buSzPts val="1400"/>
+              <a:buFont typeface="Arial"/>
+              <a:buNone/>
+              <a:defRPr b="0" i="0" sz="1800" u="none" cap="none" strike="noStrike">
+                <a:solidFill>
+                  <a:srgbClr val="000000"/>
+                </a:solidFill>
+                <a:latin typeface="Arial"/>
+                <a:ea typeface="Arial"/>
+                <a:cs typeface="Arial"/>
+                <a:sym typeface="Arial"/>
+              </a:defRPr>
             </a:lvl3pPr>
-            <a:lvl4pPr lvl="3">
-              <a:spcBef>
-                <a:spcPts val="0"/>
-              </a:spcBef>
-              <a:spcAft>
-                <a:spcPts val="0"/>
-              </a:spcAft>
-              <a:buSzPts val="1400"/>
-              <a:buNone/>
-              <a:defRPr sz="1800"/>
+            <a:lvl4pPr lvl="3" marR="0" rtl="0" algn="l">
+              <a:lnSpc>
+                <a:spcPct val="100000"/>
+              </a:lnSpc>
+              <a:spcBef>
+                <a:spcPts val="0"/>
+              </a:spcBef>
+              <a:spcAft>
+                <a:spcPts val="0"/>
+              </a:spcAft>
+              <a:buClr>
+                <a:srgbClr val="000000"/>
+              </a:buClr>
+              <a:buSzPts val="1400"/>
+              <a:buFont typeface="Arial"/>
+              <a:buNone/>
+              <a:defRPr b="0" i="0" sz="1800" u="none" cap="none" strike="noStrike">
+                <a:solidFill>
+                  <a:srgbClr val="000000"/>
+                </a:solidFill>
+                <a:latin typeface="Arial"/>
+                <a:ea typeface="Arial"/>
+                <a:cs typeface="Arial"/>
+                <a:sym typeface="Arial"/>
+              </a:defRPr>
             </a:lvl4pPr>
-            <a:lvl5pPr lvl="4">
-              <a:spcBef>
-                <a:spcPts val="0"/>
-              </a:spcBef>
-              <a:spcAft>
-                <a:spcPts val="0"/>
-              </a:spcAft>
-              <a:buSzPts val="1400"/>
-              <a:buNone/>
-              <a:defRPr sz="1800"/>
+            <a:lvl5pPr lvl="4" marR="0" rtl="0" algn="l">
+              <a:lnSpc>
+                <a:spcPct val="100000"/>
+              </a:lnSpc>
+              <a:spcBef>
+                <a:spcPts val="0"/>
+              </a:spcBef>
+              <a:spcAft>
+                <a:spcPts val="0"/>
+              </a:spcAft>
+              <a:buClr>
+                <a:srgbClr val="000000"/>
+              </a:buClr>
+              <a:buSzPts val="1400"/>
+              <a:buFont typeface="Arial"/>
+              <a:buNone/>
+              <a:defRPr b="0" i="0" sz="1800" u="none" cap="none" strike="noStrike">
+                <a:solidFill>
+                  <a:srgbClr val="000000"/>
+                </a:solidFill>
+                <a:latin typeface="Arial"/>
+                <a:ea typeface="Arial"/>
+                <a:cs typeface="Arial"/>
+                <a:sym typeface="Arial"/>
+              </a:defRPr>
             </a:lvl5pPr>
-            <a:lvl6pPr lvl="5">
-              <a:spcBef>
-                <a:spcPts val="0"/>
-              </a:spcBef>
-              <a:spcAft>
-                <a:spcPts val="0"/>
-              </a:spcAft>
-              <a:buSzPts val="1400"/>
-              <a:buNone/>
-              <a:defRPr sz="1800"/>
+            <a:lvl6pPr lvl="5" marR="0" rtl="0" algn="l">
+              <a:lnSpc>
+                <a:spcPct val="100000"/>
+              </a:lnSpc>
+              <a:spcBef>
+                <a:spcPts val="0"/>
+              </a:spcBef>
+              <a:spcAft>
+                <a:spcPts val="0"/>
+              </a:spcAft>
+              <a:buClr>
+                <a:srgbClr val="000000"/>
+              </a:buClr>
+              <a:buSzPts val="1400"/>
+              <a:buFont typeface="Arial"/>
+              <a:buNone/>
+              <a:defRPr b="0" i="0" sz="1800" u="none" cap="none" strike="noStrike">
+                <a:solidFill>
+                  <a:srgbClr val="000000"/>
+                </a:solidFill>
+                <a:latin typeface="Arial"/>
+                <a:ea typeface="Arial"/>
+                <a:cs typeface="Arial"/>
+                <a:sym typeface="Arial"/>
+              </a:defRPr>
             </a:lvl6pPr>
-            <a:lvl7pPr lvl="6">
-              <a:spcBef>
-                <a:spcPts val="0"/>
-              </a:spcBef>
-              <a:spcAft>
-                <a:spcPts val="0"/>
-              </a:spcAft>
-              <a:buSzPts val="1400"/>
-              <a:buNone/>
-              <a:defRPr sz="1800"/>
+            <a:lvl7pPr lvl="6" marR="0" rtl="0" algn="l">
+              <a:lnSpc>
+                <a:spcPct val="100000"/>
+              </a:lnSpc>
+              <a:spcBef>
+                <a:spcPts val="0"/>
+              </a:spcBef>
+              <a:spcAft>
+                <a:spcPts val="0"/>
+              </a:spcAft>
+              <a:buClr>
+                <a:srgbClr val="000000"/>
+              </a:buClr>
+              <a:buSzPts val="1400"/>
+              <a:buFont typeface="Arial"/>
+              <a:buNone/>
+              <a:defRPr b="0" i="0" sz="1800" u="none" cap="none" strike="noStrike">
+                <a:solidFill>
+                  <a:srgbClr val="000000"/>
+                </a:solidFill>
+                <a:latin typeface="Arial"/>
+                <a:ea typeface="Arial"/>
+                <a:cs typeface="Arial"/>
+                <a:sym typeface="Arial"/>
+              </a:defRPr>
             </a:lvl7pPr>
-            <a:lvl8pPr lvl="7">
-              <a:spcBef>
-                <a:spcPts val="0"/>
-              </a:spcBef>
-              <a:spcAft>
-                <a:spcPts val="0"/>
-              </a:spcAft>
-              <a:buSzPts val="1400"/>
-              <a:buNone/>
-              <a:defRPr sz="1800"/>
+            <a:lvl8pPr lvl="7" marR="0" rtl="0" algn="l">
+              <a:lnSpc>
+                <a:spcPct val="100000"/>
+              </a:lnSpc>
+              <a:spcBef>
+                <a:spcPts val="0"/>
+              </a:spcBef>
+              <a:spcAft>
+                <a:spcPts val="0"/>
+              </a:spcAft>
+              <a:buClr>
+                <a:srgbClr val="000000"/>
+              </a:buClr>
+              <a:buSzPts val="1400"/>
+              <a:buFont typeface="Arial"/>
+              <a:buNone/>
+              <a:defRPr b="0" i="0" sz="1800" u="none" cap="none" strike="noStrike">
+                <a:solidFill>
+                  <a:srgbClr val="000000"/>
+                </a:solidFill>
+                <a:latin typeface="Arial"/>
+                <a:ea typeface="Arial"/>
+                <a:cs typeface="Arial"/>
+                <a:sym typeface="Arial"/>
+              </a:defRPr>
             </a:lvl8pPr>
-            <a:lvl9pPr lvl="8">
-              <a:spcBef>
-                <a:spcPts val="0"/>
-              </a:spcBef>
-              <a:spcAft>
-                <a:spcPts val="0"/>
-              </a:spcAft>
-              <a:buSzPts val="1400"/>
-              <a:buNone/>
-              <a:defRPr sz="1800"/>
+            <a:lvl9pPr lvl="8" marR="0" rtl="0" algn="l">
+              <a:lnSpc>
+                <a:spcPct val="100000"/>
+              </a:lnSpc>
+              <a:spcBef>
+                <a:spcPts val="0"/>
+              </a:spcBef>
+              <a:spcAft>
+                <a:spcPts val="0"/>
+              </a:spcAft>
+              <a:buClr>
+                <a:srgbClr val="000000"/>
+              </a:buClr>
+              <a:buSzPts val="1400"/>
+              <a:buFont typeface="Arial"/>
+              <a:buNone/>
+              <a:defRPr b="0" i="0" sz="1800" u="none" cap="none" strike="noStrike">
+                <a:solidFill>
+                  <a:srgbClr val="000000"/>
+                </a:solidFill>
+                <a:latin typeface="Arial"/>
+                <a:ea typeface="Arial"/>
+                <a:cs typeface="Arial"/>
+                <a:sym typeface="Arial"/>
+              </a:defRPr>
             </a:lvl9pPr>
           </a:lstStyle>
           <a:p/>
@@ -6669,13 +7701,20 @@
           </a:bodyPr>
           <a:lstStyle>
             <a:lvl1pPr lvl="0" marR="0" rtl="0" algn="ctr">
-              <a:spcBef>
-                <a:spcPts val="0"/>
-              </a:spcBef>
-              <a:spcAft>
-                <a:spcPts val="0"/>
-              </a:spcAft>
-              <a:buSzPts val="1400"/>
+              <a:lnSpc>
+                <a:spcPct val="100000"/>
+              </a:lnSpc>
+              <a:spcBef>
+                <a:spcPts val="0"/>
+              </a:spcBef>
+              <a:spcAft>
+                <a:spcPts val="0"/>
+              </a:spcAft>
+              <a:buClr>
+                <a:srgbClr val="000000"/>
+              </a:buClr>
+              <a:buSzPts val="1400"/>
+              <a:buFont typeface="Arial"/>
               <a:buNone/>
               <a:defRPr b="0" i="0" sz="1000" u="none" cap="none" strike="noStrike">
                 <a:solidFill>
@@ -6688,13 +7727,20 @@
               </a:defRPr>
             </a:lvl1pPr>
             <a:lvl2pPr lvl="1" marR="0" rtl="0" algn="l">
-              <a:spcBef>
-                <a:spcPts val="0"/>
-              </a:spcBef>
-              <a:spcAft>
-                <a:spcPts val="0"/>
-              </a:spcAft>
-              <a:buSzPts val="1400"/>
+              <a:lnSpc>
+                <a:spcPct val="100000"/>
+              </a:lnSpc>
+              <a:spcBef>
+                <a:spcPts val="0"/>
+              </a:spcBef>
+              <a:spcAft>
+                <a:spcPts val="0"/>
+              </a:spcAft>
+              <a:buClr>
+                <a:srgbClr val="000000"/>
+              </a:buClr>
+              <a:buSzPts val="1400"/>
+              <a:buFont typeface="Arial"/>
               <a:buNone/>
               <a:defRPr b="0" i="0" sz="1800" u="none" cap="none" strike="noStrike">
                 <a:solidFill>
@@ -6707,13 +7753,20 @@
               </a:defRPr>
             </a:lvl2pPr>
             <a:lvl3pPr lvl="2" marR="0" rtl="0" algn="l">
-              <a:spcBef>
-                <a:spcPts val="0"/>
-              </a:spcBef>
-              <a:spcAft>
-                <a:spcPts val="0"/>
-              </a:spcAft>
-              <a:buSzPts val="1400"/>
+              <a:lnSpc>
+                <a:spcPct val="100000"/>
+              </a:lnSpc>
+              <a:spcBef>
+                <a:spcPts val="0"/>
+              </a:spcBef>
+              <a:spcAft>
+                <a:spcPts val="0"/>
+              </a:spcAft>
+              <a:buClr>
+                <a:srgbClr val="000000"/>
+              </a:buClr>
+              <a:buSzPts val="1400"/>
+              <a:buFont typeface="Arial"/>
               <a:buNone/>
               <a:defRPr b="0" i="0" sz="1800" u="none" cap="none" strike="noStrike">
                 <a:solidFill>
@@ -6726,13 +7779,20 @@
               </a:defRPr>
             </a:lvl3pPr>
             <a:lvl4pPr lvl="3" marR="0" rtl="0" algn="l">
-              <a:spcBef>
-                <a:spcPts val="0"/>
-              </a:spcBef>
-              <a:spcAft>
-                <a:spcPts val="0"/>
-              </a:spcAft>
-              <a:buSzPts val="1400"/>
+              <a:lnSpc>
+                <a:spcPct val="100000"/>
+              </a:lnSpc>
+              <a:spcBef>
+                <a:spcPts val="0"/>
+              </a:spcBef>
+              <a:spcAft>
+                <a:spcPts val="0"/>
+              </a:spcAft>
+              <a:buClr>
+                <a:srgbClr val="000000"/>
+              </a:buClr>
+              <a:buSzPts val="1400"/>
+              <a:buFont typeface="Arial"/>
               <a:buNone/>
               <a:defRPr b="0" i="0" sz="1800" u="none" cap="none" strike="noStrike">
                 <a:solidFill>
@@ -6745,13 +7805,20 @@
               </a:defRPr>
             </a:lvl4pPr>
             <a:lvl5pPr lvl="4" marR="0" rtl="0" algn="l">
-              <a:spcBef>
-                <a:spcPts val="0"/>
-              </a:spcBef>
-              <a:spcAft>
-                <a:spcPts val="0"/>
-              </a:spcAft>
-              <a:buSzPts val="1400"/>
+              <a:lnSpc>
+                <a:spcPct val="100000"/>
+              </a:lnSpc>
+              <a:spcBef>
+                <a:spcPts val="0"/>
+              </a:spcBef>
+              <a:spcAft>
+                <a:spcPts val="0"/>
+              </a:spcAft>
+              <a:buClr>
+                <a:srgbClr val="000000"/>
+              </a:buClr>
+              <a:buSzPts val="1400"/>
+              <a:buFont typeface="Arial"/>
               <a:buNone/>
               <a:defRPr b="0" i="0" sz="1800" u="none" cap="none" strike="noStrike">
                 <a:solidFill>
@@ -6764,13 +7831,20 @@
               </a:defRPr>
             </a:lvl5pPr>
             <a:lvl6pPr lvl="5" marR="0" rtl="0" algn="l">
-              <a:spcBef>
-                <a:spcPts val="0"/>
-              </a:spcBef>
-              <a:spcAft>
-                <a:spcPts val="0"/>
-              </a:spcAft>
-              <a:buSzPts val="1400"/>
+              <a:lnSpc>
+                <a:spcPct val="100000"/>
+              </a:lnSpc>
+              <a:spcBef>
+                <a:spcPts val="0"/>
+              </a:spcBef>
+              <a:spcAft>
+                <a:spcPts val="0"/>
+              </a:spcAft>
+              <a:buClr>
+                <a:srgbClr val="000000"/>
+              </a:buClr>
+              <a:buSzPts val="1400"/>
+              <a:buFont typeface="Arial"/>
               <a:buNone/>
               <a:defRPr b="0" i="0" sz="1800" u="none" cap="none" strike="noStrike">
                 <a:solidFill>
@@ -6783,13 +7857,20 @@
               </a:defRPr>
             </a:lvl6pPr>
             <a:lvl7pPr lvl="6" marR="0" rtl="0" algn="l">
-              <a:spcBef>
-                <a:spcPts val="0"/>
-              </a:spcBef>
-              <a:spcAft>
-                <a:spcPts val="0"/>
-              </a:spcAft>
-              <a:buSzPts val="1400"/>
+              <a:lnSpc>
+                <a:spcPct val="100000"/>
+              </a:lnSpc>
+              <a:spcBef>
+                <a:spcPts val="0"/>
+              </a:spcBef>
+              <a:spcAft>
+                <a:spcPts val="0"/>
+              </a:spcAft>
+              <a:buClr>
+                <a:srgbClr val="000000"/>
+              </a:buClr>
+              <a:buSzPts val="1400"/>
+              <a:buFont typeface="Arial"/>
               <a:buNone/>
               <a:defRPr b="0" i="0" sz="1800" u="none" cap="none" strike="noStrike">
                 <a:solidFill>
@@ -6802,13 +7883,20 @@
               </a:defRPr>
             </a:lvl7pPr>
             <a:lvl8pPr lvl="7" marR="0" rtl="0" algn="l">
-              <a:spcBef>
-                <a:spcPts val="0"/>
-              </a:spcBef>
-              <a:spcAft>
-                <a:spcPts val="0"/>
-              </a:spcAft>
-              <a:buSzPts val="1400"/>
+              <a:lnSpc>
+                <a:spcPct val="100000"/>
+              </a:lnSpc>
+              <a:spcBef>
+                <a:spcPts val="0"/>
+              </a:spcBef>
+              <a:spcAft>
+                <a:spcPts val="0"/>
+              </a:spcAft>
+              <a:buClr>
+                <a:srgbClr val="000000"/>
+              </a:buClr>
+              <a:buSzPts val="1400"/>
+              <a:buFont typeface="Arial"/>
               <a:buNone/>
               <a:defRPr b="0" i="0" sz="1800" u="none" cap="none" strike="noStrike">
                 <a:solidFill>
@@ -6821,13 +7909,20 @@
               </a:defRPr>
             </a:lvl8pPr>
             <a:lvl9pPr lvl="8" marR="0" rtl="0" algn="l">
-              <a:spcBef>
-                <a:spcPts val="0"/>
-              </a:spcBef>
-              <a:spcAft>
-                <a:spcPts val="0"/>
-              </a:spcAft>
-              <a:buSzPts val="1400"/>
+              <a:lnSpc>
+                <a:spcPct val="100000"/>
+              </a:lnSpc>
+              <a:spcBef>
+                <a:spcPts val="0"/>
+              </a:spcBef>
+              <a:spcAft>
+                <a:spcPts val="0"/>
+              </a:spcAft>
+              <a:buClr>
+                <a:srgbClr val="000000"/>
+              </a:buClr>
+              <a:buSzPts val="1400"/>
+              <a:buFont typeface="Arial"/>
               <a:buNone/>
               <a:defRPr b="0" i="0" sz="1800" u="none" cap="none" strike="noStrike">
                 <a:solidFill>
@@ -6870,13 +7965,20 @@
           </a:bodyPr>
           <a:lstStyle>
             <a:lvl1pPr lvl="0" marR="0" rtl="0" algn="ctr">
-              <a:spcBef>
-                <a:spcPts val="0"/>
-              </a:spcBef>
-              <a:spcAft>
-                <a:spcPts val="0"/>
-              </a:spcAft>
-              <a:buSzPts val="1400"/>
+              <a:lnSpc>
+                <a:spcPct val="100000"/>
+              </a:lnSpc>
+              <a:spcBef>
+                <a:spcPts val="0"/>
+              </a:spcBef>
+              <a:spcAft>
+                <a:spcPts val="0"/>
+              </a:spcAft>
+              <a:buClr>
+                <a:srgbClr val="000000"/>
+              </a:buClr>
+              <a:buSzPts val="1400"/>
+              <a:buFont typeface="Arial"/>
               <a:buNone/>
               <a:defRPr b="0" i="0" sz="1000" u="none" cap="none" strike="noStrike">
                 <a:solidFill>
@@ -6889,13 +7991,20 @@
               </a:defRPr>
             </a:lvl1pPr>
             <a:lvl2pPr lvl="1" marR="0" rtl="0" algn="l">
-              <a:spcBef>
-                <a:spcPts val="0"/>
-              </a:spcBef>
-              <a:spcAft>
-                <a:spcPts val="0"/>
-              </a:spcAft>
-              <a:buSzPts val="1400"/>
+              <a:lnSpc>
+                <a:spcPct val="100000"/>
+              </a:lnSpc>
+              <a:spcBef>
+                <a:spcPts val="0"/>
+              </a:spcBef>
+              <a:spcAft>
+                <a:spcPts val="0"/>
+              </a:spcAft>
+              <a:buClr>
+                <a:srgbClr val="000000"/>
+              </a:buClr>
+              <a:buSzPts val="1400"/>
+              <a:buFont typeface="Arial"/>
               <a:buNone/>
               <a:defRPr b="0" i="0" sz="1800" u="none" cap="none" strike="noStrike">
                 <a:solidFill>
@@ -6908,13 +8017,20 @@
               </a:defRPr>
             </a:lvl2pPr>
             <a:lvl3pPr lvl="2" marR="0" rtl="0" algn="l">
-              <a:spcBef>
-                <a:spcPts val="0"/>
-              </a:spcBef>
-              <a:spcAft>
-                <a:spcPts val="0"/>
-              </a:spcAft>
-              <a:buSzPts val="1400"/>
+              <a:lnSpc>
+                <a:spcPct val="100000"/>
+              </a:lnSpc>
+              <a:spcBef>
+                <a:spcPts val="0"/>
+              </a:spcBef>
+              <a:spcAft>
+                <a:spcPts val="0"/>
+              </a:spcAft>
+              <a:buClr>
+                <a:srgbClr val="000000"/>
+              </a:buClr>
+              <a:buSzPts val="1400"/>
+              <a:buFont typeface="Arial"/>
               <a:buNone/>
               <a:defRPr b="0" i="0" sz="1800" u="none" cap="none" strike="noStrike">
                 <a:solidFill>
@@ -6927,13 +8043,20 @@
               </a:defRPr>
             </a:lvl3pPr>
             <a:lvl4pPr lvl="3" marR="0" rtl="0" algn="l">
-              <a:spcBef>
-                <a:spcPts val="0"/>
-              </a:spcBef>
-              <a:spcAft>
-                <a:spcPts val="0"/>
-              </a:spcAft>
-              <a:buSzPts val="1400"/>
+              <a:lnSpc>
+                <a:spcPct val="100000"/>
+              </a:lnSpc>
+              <a:spcBef>
+                <a:spcPts val="0"/>
+              </a:spcBef>
+              <a:spcAft>
+                <a:spcPts val="0"/>
+              </a:spcAft>
+              <a:buClr>
+                <a:srgbClr val="000000"/>
+              </a:buClr>
+              <a:buSzPts val="1400"/>
+              <a:buFont typeface="Arial"/>
               <a:buNone/>
               <a:defRPr b="0" i="0" sz="1800" u="none" cap="none" strike="noStrike">
                 <a:solidFill>
@@ -6946,13 +8069,20 @@
               </a:defRPr>
             </a:lvl4pPr>
             <a:lvl5pPr lvl="4" marR="0" rtl="0" algn="l">
-              <a:spcBef>
-                <a:spcPts val="0"/>
-              </a:spcBef>
-              <a:spcAft>
-                <a:spcPts val="0"/>
-              </a:spcAft>
-              <a:buSzPts val="1400"/>
+              <a:lnSpc>
+                <a:spcPct val="100000"/>
+              </a:lnSpc>
+              <a:spcBef>
+                <a:spcPts val="0"/>
+              </a:spcBef>
+              <a:spcAft>
+                <a:spcPts val="0"/>
+              </a:spcAft>
+              <a:buClr>
+                <a:srgbClr val="000000"/>
+              </a:buClr>
+              <a:buSzPts val="1400"/>
+              <a:buFont typeface="Arial"/>
               <a:buNone/>
               <a:defRPr b="0" i="0" sz="1800" u="none" cap="none" strike="noStrike">
                 <a:solidFill>
@@ -6965,13 +8095,20 @@
               </a:defRPr>
             </a:lvl5pPr>
             <a:lvl6pPr lvl="5" marR="0" rtl="0" algn="l">
-              <a:spcBef>
-                <a:spcPts val="0"/>
-              </a:spcBef>
-              <a:spcAft>
-                <a:spcPts val="0"/>
-              </a:spcAft>
-              <a:buSzPts val="1400"/>
+              <a:lnSpc>
+                <a:spcPct val="100000"/>
+              </a:lnSpc>
+              <a:spcBef>
+                <a:spcPts val="0"/>
+              </a:spcBef>
+              <a:spcAft>
+                <a:spcPts val="0"/>
+              </a:spcAft>
+              <a:buClr>
+                <a:srgbClr val="000000"/>
+              </a:buClr>
+              <a:buSzPts val="1400"/>
+              <a:buFont typeface="Arial"/>
               <a:buNone/>
               <a:defRPr b="0" i="0" sz="1800" u="none" cap="none" strike="noStrike">
                 <a:solidFill>
@@ -6984,13 +8121,20 @@
               </a:defRPr>
             </a:lvl6pPr>
             <a:lvl7pPr lvl="6" marR="0" rtl="0" algn="l">
-              <a:spcBef>
-                <a:spcPts val="0"/>
-              </a:spcBef>
-              <a:spcAft>
-                <a:spcPts val="0"/>
-              </a:spcAft>
-              <a:buSzPts val="1400"/>
+              <a:lnSpc>
+                <a:spcPct val="100000"/>
+              </a:lnSpc>
+              <a:spcBef>
+                <a:spcPts val="0"/>
+              </a:spcBef>
+              <a:spcAft>
+                <a:spcPts val="0"/>
+              </a:spcAft>
+              <a:buClr>
+                <a:srgbClr val="000000"/>
+              </a:buClr>
+              <a:buSzPts val="1400"/>
+              <a:buFont typeface="Arial"/>
               <a:buNone/>
               <a:defRPr b="0" i="0" sz="1800" u="none" cap="none" strike="noStrike">
                 <a:solidFill>
@@ -7003,13 +8147,20 @@
               </a:defRPr>
             </a:lvl7pPr>
             <a:lvl8pPr lvl="7" marR="0" rtl="0" algn="l">
-              <a:spcBef>
-                <a:spcPts val="0"/>
-              </a:spcBef>
-              <a:spcAft>
-                <a:spcPts val="0"/>
-              </a:spcAft>
-              <a:buSzPts val="1400"/>
+              <a:lnSpc>
+                <a:spcPct val="100000"/>
+              </a:lnSpc>
+              <a:spcBef>
+                <a:spcPts val="0"/>
+              </a:spcBef>
+              <a:spcAft>
+                <a:spcPts val="0"/>
+              </a:spcAft>
+              <a:buClr>
+                <a:srgbClr val="000000"/>
+              </a:buClr>
+              <a:buSzPts val="1400"/>
+              <a:buFont typeface="Arial"/>
               <a:buNone/>
               <a:defRPr b="0" i="0" sz="1800" u="none" cap="none" strike="noStrike">
                 <a:solidFill>
@@ -7022,13 +8173,20 @@
               </a:defRPr>
             </a:lvl8pPr>
             <a:lvl9pPr lvl="8" marR="0" rtl="0" algn="l">
-              <a:spcBef>
-                <a:spcPts val="0"/>
-              </a:spcBef>
-              <a:spcAft>
-                <a:spcPts val="0"/>
-              </a:spcAft>
-              <a:buSzPts val="1400"/>
+              <a:lnSpc>
+                <a:spcPct val="100000"/>
+              </a:lnSpc>
+              <a:spcBef>
+                <a:spcPts val="0"/>
+              </a:spcBef>
+              <a:spcAft>
+                <a:spcPts val="0"/>
+              </a:spcAft>
+              <a:buClr>
+                <a:srgbClr val="000000"/>
+              </a:buClr>
+              <a:buSzPts val="1400"/>
+              <a:buFont typeface="Arial"/>
               <a:buNone/>
               <a:defRPr b="0" i="0" sz="1800" u="none" cap="none" strike="noStrike">
                 <a:solidFill>
@@ -7070,12 +8228,20 @@
           <a:lstStyle/>
           <a:p>
             <a:pPr indent="0" lvl="0" marL="0" marR="0" rtl="0" algn="ctr">
-              <a:spcBef>
-                <a:spcPts val="0"/>
-              </a:spcBef>
-              <a:spcAft>
-                <a:spcPts val="0"/>
-              </a:spcAft>
+              <a:lnSpc>
+                <a:spcPct val="100000"/>
+              </a:lnSpc>
+              <a:spcBef>
+                <a:spcPts val="0"/>
+              </a:spcBef>
+              <a:spcAft>
+                <a:spcPts val="0"/>
+              </a:spcAft>
+              <a:buClr>
+                <a:srgbClr val="000000"/>
+              </a:buClr>
+              <a:buSzPts val="1000"/>
+              <a:buFont typeface="Arial"/>
               <a:buNone/>
             </a:pPr>
             <a:fld id="{00000000-1234-1234-1234-123412341234}" type="slidenum">
@@ -7157,12 +8323,20 @@
           <a:lstStyle/>
           <a:p>
             <a:pPr indent="0" lvl="0" marL="0" marR="0" rtl="0" algn="ctr">
-              <a:spcBef>
-                <a:spcPts val="0"/>
-              </a:spcBef>
-              <a:spcAft>
-                <a:spcPts val="0"/>
-              </a:spcAft>
+              <a:lnSpc>
+                <a:spcPct val="100000"/>
+              </a:lnSpc>
+              <a:spcBef>
+                <a:spcPts val="0"/>
+              </a:spcBef>
+              <a:spcAft>
+                <a:spcPts val="0"/>
+              </a:spcAft>
+              <a:buClr>
+                <a:srgbClr val="000000"/>
+              </a:buClr>
+              <a:buSzPts val="1800"/>
+              <a:buFont typeface="Arial"/>
               <a:buNone/>
             </a:pPr>
             <a:r>
@@ -7208,12 +8382,20 @@
           <a:lstStyle/>
           <a:p>
             <a:pPr indent="0" lvl="0" marL="0" marR="0" rtl="0" algn="ctr">
-              <a:spcBef>
-                <a:spcPts val="0"/>
-              </a:spcBef>
-              <a:spcAft>
-                <a:spcPts val="0"/>
-              </a:spcAft>
+              <a:lnSpc>
+                <a:spcPct val="100000"/>
+              </a:lnSpc>
+              <a:spcBef>
+                <a:spcPts val="0"/>
+              </a:spcBef>
+              <a:spcAft>
+                <a:spcPts val="0"/>
+              </a:spcAft>
+              <a:buClr>
+                <a:srgbClr val="000000"/>
+              </a:buClr>
+              <a:buSzPts val="1800"/>
+              <a:buFont typeface="Arial"/>
               <a:buNone/>
             </a:pPr>
             <a:r>
@@ -8751,7 +9933,7 @@
             </a:pPr>
             <a:r>
               <a:rPr b="0" lang="en-US"/>
-              <a:t>For the backend we used a piece of text.</a:t>
+              <a:t>For the backend we used a csv to load the prices of our product.</a:t>
             </a:r>
             <a:endParaRPr b="0"/>
           </a:p>
@@ -8771,15 +9953,7 @@
             </a:pPr>
             <a:r>
               <a:rPr b="0" lang="en-US"/>
-              <a:t>The text could then be changed to update the </a:t>
-            </a:r>
-            <a:r>
-              <a:rPr b="0" lang="en-US"/>
-              <a:t>prices</a:t>
-            </a:r>
-            <a:r>
-              <a:rPr b="0" lang="en-US"/>
-              <a:t> on the menu.</a:t>
+              <a:t>The text could then be changed to update the prices on the menu.</a:t>
             </a:r>
             <a:br>
               <a:rPr b="0" lang="en-US"/>
@@ -8804,8 +9978,8 @@
         </p:blipFill>
         <p:spPr>
           <a:xfrm>
-            <a:off x="4129025" y="5186375"/>
-            <a:ext cx="6515100" cy="990600"/>
+            <a:off x="7142747" y="1843088"/>
+            <a:ext cx="4896854" cy="3002283"/>
           </a:xfrm>
           <a:prstGeom prst="rect">
             <a:avLst/>
@@ -9176,12 +10350,16 @@
           <a:lstStyle/>
           <a:p>
             <a:pPr indent="0" lvl="0" marL="0" rtl="0" algn="ctr">
-              <a:spcBef>
-                <a:spcPts val="0"/>
-              </a:spcBef>
-              <a:spcAft>
-                <a:spcPts val="0"/>
-              </a:spcAft>
+              <a:lnSpc>
+                <a:spcPct val="100000"/>
+              </a:lnSpc>
+              <a:spcBef>
+                <a:spcPts val="0"/>
+              </a:spcBef>
+              <a:spcAft>
+                <a:spcPts val="0"/>
+              </a:spcAft>
+              <a:buSzPts val="1400"/>
               <a:buNone/>
             </a:pPr>
             <a:r>
@@ -9219,12 +10397,16 @@
           <a:lstStyle/>
           <a:p>
             <a:pPr indent="0" lvl="0" marL="0" rtl="0" algn="ctr">
-              <a:spcBef>
-                <a:spcPts val="0"/>
-              </a:spcBef>
-              <a:spcAft>
-                <a:spcPts val="0"/>
-              </a:spcAft>
+              <a:lnSpc>
+                <a:spcPct val="100000"/>
+              </a:lnSpc>
+              <a:spcBef>
+                <a:spcPts val="0"/>
+              </a:spcBef>
+              <a:spcAft>
+                <a:spcPts val="0"/>
+              </a:spcAft>
+              <a:buSzPts val="1400"/>
               <a:buNone/>
             </a:pPr>
             <a:r>
@@ -9766,12 +10948,16 @@
           <a:lstStyle/>
           <a:p>
             <a:pPr indent="0" lvl="0" marL="0" rtl="0" algn="ctr">
-              <a:spcBef>
-                <a:spcPts val="0"/>
-              </a:spcBef>
-              <a:spcAft>
-                <a:spcPts val="0"/>
-              </a:spcAft>
+              <a:lnSpc>
+                <a:spcPct val="100000"/>
+              </a:lnSpc>
+              <a:spcBef>
+                <a:spcPts val="0"/>
+              </a:spcBef>
+              <a:spcAft>
+                <a:spcPts val="0"/>
+              </a:spcAft>
+              <a:buSzPts val="1400"/>
               <a:buNone/>
             </a:pPr>
             <a:r>
@@ -9809,12 +10995,16 @@
           <a:lstStyle/>
           <a:p>
             <a:pPr indent="0" lvl="0" marL="0" rtl="0" algn="ctr">
-              <a:spcBef>
-                <a:spcPts val="0"/>
-              </a:spcBef>
-              <a:spcAft>
-                <a:spcPts val="0"/>
-              </a:spcAft>
+              <a:lnSpc>
+                <a:spcPct val="100000"/>
+              </a:lnSpc>
+              <a:spcBef>
+                <a:spcPts val="0"/>
+              </a:spcBef>
+              <a:spcAft>
+                <a:spcPts val="0"/>
+              </a:spcAft>
+              <a:buSzPts val="1400"/>
               <a:buNone/>
             </a:pPr>
             <a:r>
@@ -9914,13 +11104,12 @@
           <p:cNvPicPr preferRelativeResize="0"/>
           <p:nvPr/>
         </p:nvPicPr>
-        <p:blipFill>
+        <p:blipFill rotWithShape="1">
           <a:blip r:embed="rId4">
             <a:alphaModFix/>
           </a:blip>
-          <a:stretch>
-            <a:fillRect/>
-          </a:stretch>
+          <a:srcRect b="0" l="0" r="0" t="0"/>
+          <a:stretch/>
         </p:blipFill>
         <p:spPr>
           <a:xfrm>
@@ -9948,13 +11137,12 @@
           <p:cNvPicPr preferRelativeResize="0"/>
           <p:nvPr/>
         </p:nvPicPr>
-        <p:blipFill>
+        <p:blipFill rotWithShape="1">
           <a:blip r:embed="rId5">
             <a:alphaModFix/>
           </a:blip>
-          <a:stretch>
-            <a:fillRect/>
-          </a:stretch>
+          <a:srcRect b="0" l="0" r="0" t="0"/>
+          <a:stretch/>
         </p:blipFill>
         <p:spPr>
           <a:xfrm>
@@ -9976,13 +11164,12 @@
           <p:cNvPicPr preferRelativeResize="0"/>
           <p:nvPr/>
         </p:nvPicPr>
-        <p:blipFill>
+        <p:blipFill rotWithShape="1">
           <a:blip r:embed="rId6">
             <a:alphaModFix/>
           </a:blip>
-          <a:stretch>
-            <a:fillRect/>
-          </a:stretch>
+          <a:srcRect b="0" l="0" r="0" t="0"/>
+          <a:stretch/>
         </p:blipFill>
         <p:spPr>
           <a:xfrm>
